--- a/docs/diagrams/ModelComponentClassDiagram.pptx
+++ b/docs/diagrams/ModelComponentClassDiagram.pptx
@@ -8,7 +8,7 @@
     <p:notesMasterId r:id="rId3"/>
   </p:notesMasterIdLst>
   <p:sldIdLst>
-    <p:sldId id="263" r:id="rId2"/>
+    <p:sldId id="264" r:id="rId2"/>
   </p:sldIdLst>
   <p:sldSz cx="9144000" cy="6858000" type="screen4x3"/>
   <p:notesSz cx="6858000" cy="9144000"/>
@@ -208,7 +208,7 @@
           <a:p>
             <a:fld id="{F5CC4B3F-88C1-4FFA-B1B6-F41C21DC6924}" type="datetimeFigureOut">
               <a:rPr lang="en-US" smtClean="0"/>
-              <a:t>6/27/2018</a:t>
+              <a:t>10/30/2018</a:t>
             </a:fld>
             <a:endParaRPr lang="en-US"/>
           </a:p>
@@ -654,7 +654,7 @@
           <a:p>
             <a:fld id="{78C97017-6FC3-485B-9764-EAC9E56C1D49}" type="datetimeFigureOut">
               <a:rPr lang="en-US" smtClean="0"/>
-              <a:t>6/27/2018</a:t>
+              <a:t>10/30/2018</a:t>
             </a:fld>
             <a:endParaRPr lang="en-US"/>
           </a:p>
@@ -822,7 +822,7 @@
           <a:p>
             <a:fld id="{78C97017-6FC3-485B-9764-EAC9E56C1D49}" type="datetimeFigureOut">
               <a:rPr lang="en-US" smtClean="0"/>
-              <a:t>6/27/2018</a:t>
+              <a:t>10/30/2018</a:t>
             </a:fld>
             <a:endParaRPr lang="en-US"/>
           </a:p>
@@ -1000,7 +1000,7 @@
           <a:p>
             <a:fld id="{78C97017-6FC3-485B-9764-EAC9E56C1D49}" type="datetimeFigureOut">
               <a:rPr lang="en-US" smtClean="0"/>
-              <a:t>6/27/2018</a:t>
+              <a:t>10/30/2018</a:t>
             </a:fld>
             <a:endParaRPr lang="en-US"/>
           </a:p>
@@ -1168,7 +1168,7 @@
           <a:p>
             <a:fld id="{78C97017-6FC3-485B-9764-EAC9E56C1D49}" type="datetimeFigureOut">
               <a:rPr lang="en-US" smtClean="0"/>
-              <a:t>6/27/2018</a:t>
+              <a:t>10/30/2018</a:t>
             </a:fld>
             <a:endParaRPr lang="en-US"/>
           </a:p>
@@ -1413,7 +1413,7 @@
           <a:p>
             <a:fld id="{78C97017-6FC3-485B-9764-EAC9E56C1D49}" type="datetimeFigureOut">
               <a:rPr lang="en-US" smtClean="0"/>
-              <a:t>6/27/2018</a:t>
+              <a:t>10/30/2018</a:t>
             </a:fld>
             <a:endParaRPr lang="en-US"/>
           </a:p>
@@ -1698,7 +1698,7 @@
           <a:p>
             <a:fld id="{78C97017-6FC3-485B-9764-EAC9E56C1D49}" type="datetimeFigureOut">
               <a:rPr lang="en-US" smtClean="0"/>
-              <a:t>6/27/2018</a:t>
+              <a:t>10/30/2018</a:t>
             </a:fld>
             <a:endParaRPr lang="en-US"/>
           </a:p>
@@ -2117,7 +2117,7 @@
           <a:p>
             <a:fld id="{78C97017-6FC3-485B-9764-EAC9E56C1D49}" type="datetimeFigureOut">
               <a:rPr lang="en-US" smtClean="0"/>
-              <a:t>6/27/2018</a:t>
+              <a:t>10/30/2018</a:t>
             </a:fld>
             <a:endParaRPr lang="en-US"/>
           </a:p>
@@ -2234,7 +2234,7 @@
           <a:p>
             <a:fld id="{78C97017-6FC3-485B-9764-EAC9E56C1D49}" type="datetimeFigureOut">
               <a:rPr lang="en-US" smtClean="0"/>
-              <a:t>6/27/2018</a:t>
+              <a:t>10/30/2018</a:t>
             </a:fld>
             <a:endParaRPr lang="en-US"/>
           </a:p>
@@ -2329,7 +2329,7 @@
           <a:p>
             <a:fld id="{78C97017-6FC3-485B-9764-EAC9E56C1D49}" type="datetimeFigureOut">
               <a:rPr lang="en-US" smtClean="0"/>
-              <a:t>6/27/2018</a:t>
+              <a:t>10/30/2018</a:t>
             </a:fld>
             <a:endParaRPr lang="en-US"/>
           </a:p>
@@ -2604,7 +2604,7 @@
           <a:p>
             <a:fld id="{78C97017-6FC3-485B-9764-EAC9E56C1D49}" type="datetimeFigureOut">
               <a:rPr lang="en-US" smtClean="0"/>
-              <a:t>6/27/2018</a:t>
+              <a:t>10/30/2018</a:t>
             </a:fld>
             <a:endParaRPr lang="en-US"/>
           </a:p>
@@ -2856,7 +2856,7 @@
           <a:p>
             <a:fld id="{78C97017-6FC3-485B-9764-EAC9E56C1D49}" type="datetimeFigureOut">
               <a:rPr lang="en-US" smtClean="0"/>
-              <a:t>6/27/2018</a:t>
+              <a:t>10/30/2018</a:t>
             </a:fld>
             <a:endParaRPr lang="en-US"/>
           </a:p>
@@ -3067,7 +3067,7 @@
           <a:p>
             <a:fld id="{78C97017-6FC3-485B-9764-EAC9E56C1D49}" type="datetimeFigureOut">
               <a:rPr lang="en-US" smtClean="0"/>
-              <a:t>6/27/2018</a:t>
+              <a:t>10/30/2018</a:t>
             </a:fld>
             <a:endParaRPr lang="en-US"/>
           </a:p>
@@ -3444,14 +3444,20 @@
       </p:grpSpPr>
       <p:sp>
         <p:nvSpPr>
-          <p:cNvPr id="118" name="Rectangle 65"/>
+          <p:cNvPr id="166" name="Rectangle 65">
+            <a:extLst>
+              <a:ext uri="{FF2B5EF4-FFF2-40B4-BE49-F238E27FC236}">
+                <a16:creationId xmlns:a16="http://schemas.microsoft.com/office/drawing/2014/main" id="{F65F0449-6D47-40D2-9D99-6060B959A985}"/>
+              </a:ext>
+            </a:extLst>
+          </p:cNvPr>
           <p:cNvSpPr/>
           <p:nvPr/>
         </p:nvSpPr>
         <p:spPr>
           <a:xfrm>
-            <a:off x="1119865" y="1600200"/>
-            <a:ext cx="7490735" cy="3124200"/>
+            <a:off x="394104" y="1143000"/>
+            <a:ext cx="8171219" cy="3974443"/>
           </a:xfrm>
           <a:prstGeom prst="roundRect">
             <a:avLst>
@@ -3511,7 +3517,7 @@
         </p:nvSpPr>
         <p:spPr>
           <a:xfrm>
-            <a:off x="2877180" y="3463240"/>
+            <a:off x="2126218" y="3463240"/>
             <a:ext cx="1093635" cy="346760"/>
           </a:xfrm>
           <a:prstGeom prst="rect">
@@ -3570,7 +3576,7 @@
         </p:nvSpPr>
         <p:spPr>
           <a:xfrm rot="16200000">
-            <a:off x="1661548" y="3097750"/>
+            <a:off x="910586" y="3097750"/>
             <a:ext cx="1093635" cy="346760"/>
           </a:xfrm>
           <a:prstGeom prst="rect">
@@ -3633,12 +3639,12 @@
         </p:nvCxnSpPr>
         <p:spPr>
           <a:xfrm rot="5400000" flipH="1" flipV="1">
-            <a:off x="4131507" y="1281685"/>
-            <a:ext cx="613122" cy="4459404"/>
+            <a:off x="3873779" y="1283184"/>
+            <a:ext cx="118388" cy="4951139"/>
           </a:xfrm>
           <a:prstGeom prst="bentConnector3">
             <a:avLst>
-              <a:gd name="adj1" fmla="val -26668"/>
+              <a:gd name="adj1" fmla="val -535923"/>
             </a:avLst>
           </a:prstGeom>
           <a:ln w="19050">
@@ -3674,7 +3680,7 @@
         </p:nvSpPr>
         <p:spPr>
           <a:xfrm rot="16200000">
-            <a:off x="956202" y="2861202"/>
+            <a:off x="205240" y="2861202"/>
             <a:ext cx="1093635" cy="346760"/>
           </a:xfrm>
           <a:prstGeom prst="rect">
@@ -3744,7 +3750,7 @@
         </p:nvSpPr>
         <p:spPr>
           <a:xfrm rot="16200000">
-            <a:off x="1626910" y="2952291"/>
+            <a:off x="875948" y="2952291"/>
             <a:ext cx="270504" cy="175523"/>
           </a:xfrm>
           <a:prstGeom prst="triangle">
@@ -3794,7 +3800,7 @@
         </p:nvCxnSpPr>
         <p:spPr>
           <a:xfrm>
-            <a:off x="2609828" y="3636620"/>
+            <a:off x="1858866" y="3636620"/>
             <a:ext cx="267352" cy="0"/>
           </a:xfrm>
           <a:prstGeom prst="straightConnector1">
@@ -3832,7 +3838,7 @@
         </p:nvCxnSpPr>
         <p:spPr>
           <a:xfrm>
-            <a:off x="910091" y="3040053"/>
+            <a:off x="159129" y="3040053"/>
             <a:ext cx="419548" cy="2860"/>
           </a:xfrm>
           <a:prstGeom prst="bentConnector3">
@@ -3877,7 +3883,7 @@
         </p:nvCxnSpPr>
         <p:spPr>
           <a:xfrm flipV="1">
-            <a:off x="1849924" y="3040052"/>
+            <a:off x="1098962" y="3040052"/>
             <a:ext cx="216105" cy="1"/>
           </a:xfrm>
           <a:prstGeom prst="line">
@@ -3916,7 +3922,7 @@
         </p:nvSpPr>
         <p:spPr>
           <a:xfrm>
-            <a:off x="2373780" y="3549930"/>
+            <a:off x="1622818" y="3549930"/>
             <a:ext cx="236048" cy="173380"/>
           </a:xfrm>
           <a:prstGeom prst="flowChartDecision">
@@ -3961,7 +3967,7 @@
         </p:nvSpPr>
         <p:spPr>
           <a:xfrm>
-            <a:off x="2825280" y="2846162"/>
+            <a:off x="2074318" y="2846162"/>
             <a:ext cx="1490560" cy="334856"/>
           </a:xfrm>
           <a:prstGeom prst="rect">
@@ -3994,12 +4000,12 @@
           <a:p>
             <a:pPr algn="ctr"/>
             <a:r>
-              <a:rPr lang="en-US" sz="1050" dirty="0" err="1" smtClean="0">
+              <a:rPr lang="en-US" sz="1050" dirty="0" err="1">
                 <a:solidFill>
                   <a:srgbClr val="7030A0"/>
                 </a:solidFill>
               </a:rPr>
-              <a:t>VersionedAddressBook</a:t>
+              <a:t>VersionedSuperTaClient</a:t>
             </a:r>
             <a:endParaRPr lang="en-SG" sz="1050" dirty="0">
               <a:solidFill>
@@ -4020,7 +4026,7 @@
         </p:nvCxnSpPr>
         <p:spPr>
           <a:xfrm>
-            <a:off x="2624360" y="3003033"/>
+            <a:off x="1873398" y="3003033"/>
             <a:ext cx="200920" cy="10557"/>
           </a:xfrm>
           <a:prstGeom prst="straightConnector1">
@@ -4058,7 +4064,7 @@
         </p:nvSpPr>
         <p:spPr>
           <a:xfrm>
-            <a:off x="2388312" y="2916343"/>
+            <a:off x="1637350" y="2916343"/>
             <a:ext cx="236048" cy="173380"/>
           </a:xfrm>
           <a:prstGeom prst="flowChartDecision">
@@ -4103,8 +4109,8 @@
         </p:nvSpPr>
         <p:spPr>
           <a:xfrm>
-            <a:off x="4692650" y="2846162"/>
-            <a:ext cx="1156969" cy="346760"/>
+            <a:off x="4195308" y="3353491"/>
+            <a:ext cx="1370916" cy="346760"/>
           </a:xfrm>
           <a:prstGeom prst="rect">
             <a:avLst/>
@@ -4141,7 +4147,7 @@
                   <a:srgbClr val="7030A0"/>
                 </a:solidFill>
               </a:rPr>
-              <a:t>UniquePersonList</a:t>
+              <a:t>UniqueStudentList</a:t>
             </a:r>
             <a:endParaRPr lang="en-SG" sz="1050" dirty="0">
               <a:solidFill>
@@ -4159,7 +4165,7 @@
         </p:nvSpPr>
         <p:spPr>
           <a:xfrm>
-            <a:off x="4324972" y="2920532"/>
+            <a:off x="3574010" y="2920532"/>
             <a:ext cx="236048" cy="173380"/>
           </a:xfrm>
           <a:prstGeom prst="flowChartDecision">
@@ -4206,7 +4212,7 @@
         </p:nvSpPr>
         <p:spPr>
           <a:xfrm>
-            <a:off x="6313677" y="2858066"/>
+            <a:off x="6054450" y="3352800"/>
             <a:ext cx="708186" cy="346760"/>
           </a:xfrm>
           <a:prstGeom prst="rect">
@@ -4244,7 +4250,7 @@
                   <a:srgbClr val="7030A0"/>
                 </a:solidFill>
               </a:rPr>
-              <a:t>Person</a:t>
+              <a:t>Student</a:t>
             </a:r>
             <a:endParaRPr lang="en-SG" sz="1050" dirty="0">
               <a:solidFill>
@@ -4262,7 +4268,7 @@
         </p:nvSpPr>
         <p:spPr>
           <a:xfrm>
-            <a:off x="5858751" y="2941676"/>
+            <a:off x="5581947" y="3436410"/>
             <a:ext cx="236048" cy="173380"/>
           </a:xfrm>
           <a:prstGeom prst="flowChartDecision">
@@ -4303,6 +4309,7 @@
         <p:nvCxnSpPr>
           <p:cNvPr id="64" name="Elbow Connector 63"/>
           <p:cNvCxnSpPr>
+            <a:cxnSpLocks/>
             <a:stCxn id="63" idx="3"/>
             <a:endCxn id="62" idx="1"/>
           </p:cNvCxnSpPr>
@@ -4310,8 +4317,8 @@
         </p:nvCxnSpPr>
         <p:spPr>
           <a:xfrm>
-            <a:off x="6094799" y="3028366"/>
-            <a:ext cx="218878" cy="3080"/>
+            <a:off x="5817995" y="3523100"/>
+            <a:ext cx="236455" cy="3080"/>
           </a:xfrm>
           <a:prstGeom prst="bentConnector3">
             <a:avLst/>
@@ -4348,8 +4355,8 @@
         </p:nvSpPr>
         <p:spPr>
           <a:xfrm>
-            <a:off x="7712397" y="2564238"/>
-            <a:ext cx="708186" cy="285783"/>
+            <a:off x="7452183" y="3061482"/>
+            <a:ext cx="853615" cy="285783"/>
           </a:xfrm>
           <a:prstGeom prst="rect">
             <a:avLst/>
@@ -4404,7 +4411,7 @@
         </p:nvSpPr>
         <p:spPr>
           <a:xfrm>
-            <a:off x="7041947" y="2948201"/>
+            <a:off x="6781734" y="3445445"/>
             <a:ext cx="236048" cy="173380"/>
           </a:xfrm>
           <a:prstGeom prst="flowChartDecision">
@@ -4453,7 +4460,7 @@
         </p:nvCxnSpPr>
         <p:spPr>
           <a:xfrm flipV="1">
-            <a:off x="7277995" y="2706821"/>
+            <a:off x="7017782" y="3204065"/>
             <a:ext cx="434402" cy="327761"/>
           </a:xfrm>
           <a:prstGeom prst="bentConnector3">
@@ -4491,8 +4498,8 @@
         </p:nvSpPr>
         <p:spPr>
           <a:xfrm>
-            <a:off x="7712397" y="2887216"/>
-            <a:ext cx="708186" cy="285783"/>
+            <a:off x="7452183" y="3384460"/>
+            <a:ext cx="853615" cy="285783"/>
           </a:xfrm>
           <a:prstGeom prst="rect">
             <a:avLst/>
@@ -4543,6 +4550,7 @@
         <p:nvCxnSpPr>
           <p:cNvPr id="81" name="Elbow Connector 80"/>
           <p:cNvCxnSpPr>
+            <a:cxnSpLocks/>
             <a:stCxn id="78" idx="3"/>
             <a:endCxn id="80" idx="1"/>
           </p:cNvCxnSpPr>
@@ -4550,8 +4558,8 @@
         </p:nvCxnSpPr>
         <p:spPr>
           <a:xfrm flipV="1">
-            <a:off x="7277995" y="3030108"/>
-            <a:ext cx="434402" cy="4783"/>
+            <a:off x="7017782" y="3527352"/>
+            <a:ext cx="434401" cy="4783"/>
           </a:xfrm>
           <a:prstGeom prst="bentConnector3">
             <a:avLst/>
@@ -4588,8 +4596,8 @@
         </p:nvSpPr>
         <p:spPr>
           <a:xfrm>
-            <a:off x="7712397" y="3210194"/>
-            <a:ext cx="708186" cy="285783"/>
+            <a:off x="7452184" y="3707438"/>
+            <a:ext cx="853616" cy="285783"/>
           </a:xfrm>
           <a:prstGeom prst="rect">
             <a:avLst/>
@@ -4640,6 +4648,7 @@
         <p:nvCxnSpPr>
           <p:cNvPr id="84" name="Elbow Connector 83"/>
           <p:cNvCxnSpPr>
+            <a:cxnSpLocks/>
             <a:stCxn id="78" idx="3"/>
             <a:endCxn id="83" idx="1"/>
           </p:cNvCxnSpPr>
@@ -4647,7 +4656,7 @@
         </p:nvCxnSpPr>
         <p:spPr>
           <a:xfrm>
-            <a:off x="7277995" y="3034891"/>
+            <a:off x="7017782" y="3532135"/>
             <a:ext cx="434402" cy="318195"/>
           </a:xfrm>
           <a:prstGeom prst="bentConnector3">
@@ -4685,8 +4694,8 @@
         </p:nvSpPr>
         <p:spPr>
           <a:xfrm>
-            <a:off x="7712397" y="3533171"/>
-            <a:ext cx="708186" cy="285783"/>
+            <a:off x="7452183" y="4030415"/>
+            <a:ext cx="853617" cy="285783"/>
           </a:xfrm>
           <a:prstGeom prst="rect">
             <a:avLst/>
@@ -4718,12 +4727,12 @@
           <a:p>
             <a:pPr algn="ctr"/>
             <a:r>
-              <a:rPr lang="en-US" sz="1050" dirty="0">
+              <a:rPr lang="en-US" sz="1050" dirty="0" err="1">
                 <a:solidFill>
                   <a:srgbClr val="7030A0"/>
                 </a:solidFill>
               </a:rPr>
-              <a:t>Address</a:t>
+              <a:t>StudentId</a:t>
             </a:r>
             <a:endParaRPr lang="en-SG" sz="1050" dirty="0">
               <a:solidFill>
@@ -4737,6 +4746,7 @@
         <p:nvCxnSpPr>
           <p:cNvPr id="86" name="Elbow Connector 85"/>
           <p:cNvCxnSpPr>
+            <a:cxnSpLocks/>
             <a:stCxn id="78" idx="3"/>
             <a:endCxn id="85" idx="1"/>
           </p:cNvCxnSpPr>
@@ -4744,8 +4754,8 @@
         </p:nvCxnSpPr>
         <p:spPr>
           <a:xfrm>
-            <a:off x="7277995" y="3034891"/>
-            <a:ext cx="434402" cy="641172"/>
+            <a:off x="7017782" y="3532135"/>
+            <a:ext cx="434401" cy="641172"/>
           </a:xfrm>
           <a:prstGeom prst="bentConnector3">
             <a:avLst/>
@@ -4778,14 +4788,16 @@
         <p:nvCxnSpPr>
           <p:cNvPr id="97" name="Elbow Connector 63"/>
           <p:cNvCxnSpPr>
+            <a:cxnSpLocks/>
             <a:stCxn id="99" idx="3"/>
+            <a:endCxn id="46" idx="0"/>
           </p:cNvCxnSpPr>
           <p:nvPr/>
         </p:nvCxnSpPr>
         <p:spPr>
           <a:xfrm rot="5400000">
-            <a:off x="3553611" y="2687559"/>
-            <a:ext cx="293825" cy="5938"/>
+            <a:off x="2548365" y="2340499"/>
+            <a:ext cx="776896" cy="234430"/>
           </a:xfrm>
           <a:prstGeom prst="bentConnector3">
             <a:avLst>
@@ -4825,7 +4837,7 @@
         </p:nvSpPr>
         <p:spPr>
           <a:xfrm rot="10800000" flipV="1">
-            <a:off x="3562299" y="2386554"/>
+            <a:off x="2912835" y="1912204"/>
             <a:ext cx="282387" cy="157062"/>
           </a:xfrm>
           <a:prstGeom prst="triangle">
@@ -4873,8 +4885,8 @@
         </p:nvSpPr>
         <p:spPr>
           <a:xfrm>
-            <a:off x="1260922" y="1998350"/>
-            <a:ext cx="1443661" cy="364396"/>
+            <a:off x="569736" y="1524000"/>
+            <a:ext cx="1485383" cy="364396"/>
           </a:xfrm>
           <a:prstGeom prst="rect">
             <a:avLst/>
@@ -4926,7 +4938,7 @@
                   <a:srgbClr val="7030A0"/>
                 </a:solidFill>
               </a:rPr>
-              <a:t>ReadOnlyAddressBook</a:t>
+              <a:t>ReadOnlySuperTaClient</a:t>
             </a:r>
             <a:endParaRPr lang="en-SG" sz="1050" dirty="0">
               <a:solidFill>
@@ -4944,7 +4956,7 @@
         </p:nvSpPr>
         <p:spPr>
           <a:xfrm rot="16200000">
-            <a:off x="6362886" y="3586305"/>
+            <a:off x="6100546" y="4009263"/>
             <a:ext cx="881018" cy="261610"/>
           </a:xfrm>
           <a:prstGeom prst="rect">
@@ -4983,7 +4995,7 @@
         </p:nvSpPr>
         <p:spPr>
           <a:xfrm>
-            <a:off x="2057401" y="4239491"/>
+            <a:off x="1290555" y="4572000"/>
             <a:ext cx="1066800" cy="346760"/>
           </a:xfrm>
           <a:prstGeom prst="rect">
@@ -5023,16 +5035,8 @@
               </a:rPr>
               <a:t>&lt;&lt;interface&gt;&gt;</a:t>
             </a:r>
-            <a:r>
-              <a:rPr lang="en-US" sz="1050">
-                <a:solidFill>
-                  <a:srgbClr val="7030A0"/>
-                </a:solidFill>
-              </a:rPr>
-              <a:t/>
-            </a:r>
             <a:br>
-              <a:rPr lang="en-US" sz="1050">
+              <a:rPr lang="en-US" sz="1050" dirty="0">
                 <a:solidFill>
                   <a:srgbClr val="7030A0"/>
                 </a:solidFill>
@@ -5065,8 +5069,8 @@
         </p:nvCxnSpPr>
         <p:spPr>
           <a:xfrm rot="16200000" flipH="1">
-            <a:off x="1364475" y="3719944"/>
-            <a:ext cx="831471" cy="554381"/>
+            <a:off x="439316" y="3894141"/>
+            <a:ext cx="1163980" cy="538497"/>
           </a:xfrm>
           <a:prstGeom prst="bentConnector2">
             <a:avLst/>
@@ -5104,7 +5108,7 @@
         </p:nvSpPr>
         <p:spPr>
           <a:xfrm>
-            <a:off x="4429979" y="3111479"/>
+            <a:off x="3985601" y="3321496"/>
             <a:ext cx="189257" cy="178683"/>
           </a:xfrm>
           <a:prstGeom prst="rect">
@@ -5143,7 +5147,7 @@
         </p:nvSpPr>
         <p:spPr>
           <a:xfrm>
-            <a:off x="6135256" y="3097917"/>
+            <a:off x="5814844" y="3590256"/>
             <a:ext cx="189257" cy="178683"/>
           </a:xfrm>
           <a:prstGeom prst="rect">
@@ -5182,7 +5186,7 @@
         </p:nvSpPr>
         <p:spPr>
           <a:xfrm>
-            <a:off x="2573394" y="2756715"/>
+            <a:off x="1822432" y="2756715"/>
             <a:ext cx="170110" cy="137542"/>
           </a:xfrm>
           <a:prstGeom prst="rect">
@@ -5221,7 +5225,7 @@
         </p:nvSpPr>
         <p:spPr>
           <a:xfrm>
-            <a:off x="2707070" y="3667737"/>
+            <a:off x="1956108" y="3667737"/>
             <a:ext cx="189257" cy="178683"/>
           </a:xfrm>
           <a:prstGeom prst="rect">
@@ -5260,7 +5264,7 @@
         </p:nvSpPr>
         <p:spPr>
           <a:xfrm>
-            <a:off x="6449896" y="3204826"/>
+            <a:off x="6187743" y="3748568"/>
             <a:ext cx="189257" cy="178683"/>
           </a:xfrm>
           <a:prstGeom prst="rect">
@@ -5305,8 +5309,8 @@
         </p:nvSpPr>
         <p:spPr>
           <a:xfrm>
-            <a:off x="7712397" y="2228817"/>
-            <a:ext cx="708186" cy="285783"/>
+            <a:off x="7452183" y="2726061"/>
+            <a:ext cx="853615" cy="285783"/>
           </a:xfrm>
           <a:prstGeom prst="rect">
             <a:avLst/>
@@ -5371,8 +5375,8 @@
         </p:nvCxnSpPr>
         <p:spPr>
           <a:xfrm flipV="1">
-            <a:off x="7277995" y="2371709"/>
-            <a:ext cx="434402" cy="663182"/>
+            <a:off x="7017782" y="2868953"/>
+            <a:ext cx="434401" cy="663182"/>
           </a:xfrm>
           <a:prstGeom prst="bentConnector3">
             <a:avLst>
@@ -5417,7 +5421,7 @@
         </p:nvSpPr>
         <p:spPr>
           <a:xfrm>
-            <a:off x="7466243" y="2255711"/>
+            <a:off x="7206030" y="2752955"/>
             <a:ext cx="189257" cy="178683"/>
           </a:xfrm>
           <a:prstGeom prst="rect">
@@ -5456,7 +5460,7 @@
         </p:nvSpPr>
         <p:spPr>
           <a:xfrm>
-            <a:off x="3170181" y="1998350"/>
+            <a:off x="2520717" y="1524000"/>
             <a:ext cx="1060683" cy="364396"/>
           </a:xfrm>
           <a:prstGeom prst="rect">
@@ -5494,7 +5498,7 @@
                   <a:srgbClr val="7030A0"/>
                 </a:solidFill>
               </a:rPr>
-              <a:t>AddressBook</a:t>
+              <a:t>SuperTaClient</a:t>
             </a:r>
             <a:endParaRPr lang="en-SG" sz="1050" dirty="0">
               <a:solidFill>
@@ -5504,47 +5508,6 @@
           </a:p>
         </p:txBody>
       </p:sp>
-      <p:cxnSp>
-        <p:nvCxnSpPr>
-          <p:cNvPr id="60" name="Straight Arrow Connector 59"/>
-          <p:cNvCxnSpPr>
-            <a:stCxn id="51" idx="1"/>
-            <a:endCxn id="49" idx="1"/>
-          </p:cNvCxnSpPr>
-          <p:nvPr/>
-        </p:nvCxnSpPr>
-        <p:spPr>
-          <a:xfrm>
-            <a:off x="4324972" y="3007222"/>
-            <a:ext cx="367678" cy="12320"/>
-          </a:xfrm>
-          <a:prstGeom prst="straightConnector1">
-            <a:avLst/>
-          </a:prstGeom>
-          <a:ln w="19050">
-            <a:solidFill>
-              <a:srgbClr val="7030A0"/>
-            </a:solidFill>
-            <a:headEnd type="none" w="med" len="med"/>
-            <a:tailEnd type="arrow" w="med" len="med"/>
-          </a:ln>
-          <a:effectLst/>
-        </p:spPr>
-        <p:style>
-          <a:lnRef idx="1">
-            <a:schemeClr val="accent2"/>
-          </a:lnRef>
-          <a:fillRef idx="2">
-            <a:schemeClr val="accent2"/>
-          </a:fillRef>
-          <a:effectRef idx="1">
-            <a:schemeClr val="accent2"/>
-          </a:effectRef>
-          <a:fontRef idx="minor">
-            <a:schemeClr val="dk1"/>
-          </a:fontRef>
-        </p:style>
-      </p:cxnSp>
       <p:sp>
         <p:nvSpPr>
           <p:cNvPr id="68" name="Isosceles Triangle 102"/>
@@ -5553,7 +5516,7 @@
         </p:nvSpPr>
         <p:spPr>
           <a:xfrm rot="16200000">
-            <a:off x="2669073" y="2069158"/>
+            <a:off x="2019609" y="1594808"/>
             <a:ext cx="271014" cy="187417"/>
           </a:xfrm>
           <a:prstGeom prst="triangle">
@@ -5608,7 +5571,7 @@
         </p:nvCxnSpPr>
         <p:spPr>
           <a:xfrm>
-            <a:off x="2898289" y="2177727"/>
+            <a:off x="2248825" y="1703377"/>
             <a:ext cx="271892" cy="2821"/>
           </a:xfrm>
           <a:prstGeom prst="bentConnector3">
@@ -5641,10 +5604,1685 @@
           </a:fontRef>
         </p:style>
       </p:cxnSp>
+      <p:sp>
+        <p:nvSpPr>
+          <p:cNvPr id="56" name="Rectangle 8">
+            <a:extLst>
+              <a:ext uri="{FF2B5EF4-FFF2-40B4-BE49-F238E27FC236}">
+                <a16:creationId xmlns:a16="http://schemas.microsoft.com/office/drawing/2014/main" id="{38916CE3-18E3-421C-94AF-E9DD67231A03}"/>
+              </a:ext>
+            </a:extLst>
+          </p:cNvPr>
+          <p:cNvSpPr/>
+          <p:nvPr/>
+        </p:nvSpPr>
+        <p:spPr>
+          <a:xfrm>
+            <a:off x="7452183" y="2389188"/>
+            <a:ext cx="853615" cy="285783"/>
+          </a:xfrm>
+          <a:prstGeom prst="rect">
+            <a:avLst/>
+          </a:prstGeom>
+          <a:ln w="19050">
+            <a:solidFill>
+              <a:srgbClr val="7030A0"/>
+            </a:solidFill>
+          </a:ln>
+          <a:effectLst/>
+        </p:spPr>
+        <p:style>
+          <a:lnRef idx="1">
+            <a:schemeClr val="accent4"/>
+          </a:lnRef>
+          <a:fillRef idx="2">
+            <a:schemeClr val="accent4"/>
+          </a:fillRef>
+          <a:effectRef idx="1">
+            <a:schemeClr val="accent4"/>
+          </a:effectRef>
+          <a:fontRef idx="minor">
+            <a:schemeClr val="dk1"/>
+          </a:fontRef>
+        </p:style>
+        <p:txBody>
+          <a:bodyPr rtlCol="0" anchor="ctr"/>
+          <a:lstStyle/>
+          <a:p>
+            <a:pPr algn="ctr"/>
+            <a:r>
+              <a:rPr lang="en-US" sz="1050" dirty="0">
+                <a:solidFill>
+                  <a:srgbClr val="7030A0"/>
+                </a:solidFill>
+              </a:rPr>
+              <a:t>Feedback</a:t>
+            </a:r>
+            <a:endParaRPr lang="en-SG" sz="1050" dirty="0">
+              <a:solidFill>
+                <a:srgbClr val="7030A0"/>
+              </a:solidFill>
+            </a:endParaRPr>
+          </a:p>
+        </p:txBody>
+      </p:sp>
+      <p:cxnSp>
+        <p:nvCxnSpPr>
+          <p:cNvPr id="57" name="Elbow Connector 78">
+            <a:extLst>
+              <a:ext uri="{FF2B5EF4-FFF2-40B4-BE49-F238E27FC236}">
+                <a16:creationId xmlns:a16="http://schemas.microsoft.com/office/drawing/2014/main" id="{A0A2516F-CB00-4380-B219-FA1385423390}"/>
+              </a:ext>
+            </a:extLst>
+          </p:cNvPr>
+          <p:cNvCxnSpPr>
+            <a:cxnSpLocks/>
+            <a:stCxn id="78" idx="3"/>
+            <a:endCxn id="56" idx="1"/>
+          </p:cNvCxnSpPr>
+          <p:nvPr/>
+        </p:nvCxnSpPr>
+        <p:spPr>
+          <a:xfrm flipV="1">
+            <a:off x="7017782" y="2532080"/>
+            <a:ext cx="434401" cy="1000055"/>
+          </a:xfrm>
+          <a:prstGeom prst="bentConnector3">
+            <a:avLst>
+              <a:gd name="adj1" fmla="val 50000"/>
+            </a:avLst>
+          </a:prstGeom>
+          <a:ln w="19050">
+            <a:solidFill>
+              <a:srgbClr val="7030A0"/>
+            </a:solidFill>
+            <a:headEnd type="none" w="med" len="med"/>
+            <a:tailEnd type="arrow" w="med" len="med"/>
+          </a:ln>
+          <a:effectLst/>
+        </p:spPr>
+        <p:style>
+          <a:lnRef idx="1">
+            <a:schemeClr val="accent2"/>
+          </a:lnRef>
+          <a:fillRef idx="2">
+            <a:schemeClr val="accent2"/>
+          </a:fillRef>
+          <a:effectRef idx="1">
+            <a:schemeClr val="accent2"/>
+          </a:effectRef>
+          <a:fontRef idx="minor">
+            <a:schemeClr val="dk1"/>
+          </a:fontRef>
+        </p:style>
+      </p:cxnSp>
+      <p:sp>
+        <p:nvSpPr>
+          <p:cNvPr id="67" name="TextBox 66">
+            <a:extLst>
+              <a:ext uri="{FF2B5EF4-FFF2-40B4-BE49-F238E27FC236}">
+                <a16:creationId xmlns:a16="http://schemas.microsoft.com/office/drawing/2014/main" id="{DABF93DE-4E68-4538-A171-D0811B5657EF}"/>
+              </a:ext>
+            </a:extLst>
+          </p:cNvPr>
+          <p:cNvSpPr txBox="1"/>
+          <p:nvPr/>
+        </p:nvSpPr>
+        <p:spPr>
+          <a:xfrm>
+            <a:off x="7204493" y="2412628"/>
+            <a:ext cx="189257" cy="178683"/>
+          </a:xfrm>
+          <a:prstGeom prst="rect">
+            <a:avLst/>
+          </a:prstGeom>
+          <a:noFill/>
+        </p:spPr>
+        <p:txBody>
+          <a:bodyPr wrap="square" lIns="0" tIns="0" rIns="0" bIns="0" rtlCol="0">
+            <a:noAutofit/>
+          </a:bodyPr>
+          <a:lstStyle/>
+          <a:p>
+            <a:pPr algn="ctr"/>
+            <a:r>
+              <a:rPr lang="en-US" sz="1100" dirty="0">
+                <a:solidFill>
+                  <a:srgbClr val="7030A0"/>
+                </a:solidFill>
+              </a:rPr>
+              <a:t>*</a:t>
+            </a:r>
+            <a:endParaRPr lang="en-SG" sz="1100" dirty="0">
+              <a:solidFill>
+                <a:srgbClr val="7030A0"/>
+              </a:solidFill>
+            </a:endParaRPr>
+          </a:p>
+        </p:txBody>
+      </p:sp>
+      <p:cxnSp>
+        <p:nvCxnSpPr>
+          <p:cNvPr id="71" name="Elbow Connector 78">
+            <a:extLst>
+              <a:ext uri="{FF2B5EF4-FFF2-40B4-BE49-F238E27FC236}">
+                <a16:creationId xmlns:a16="http://schemas.microsoft.com/office/drawing/2014/main" id="{5CCEB7EA-06C4-4592-96CF-157BDCA181EA}"/>
+              </a:ext>
+            </a:extLst>
+          </p:cNvPr>
+          <p:cNvCxnSpPr>
+            <a:cxnSpLocks/>
+            <a:stCxn id="51" idx="3"/>
+            <a:endCxn id="49" idx="1"/>
+          </p:cNvCxnSpPr>
+          <p:nvPr/>
+        </p:nvCxnSpPr>
+        <p:spPr>
+          <a:xfrm>
+            <a:off x="3810058" y="3007222"/>
+            <a:ext cx="385250" cy="519649"/>
+          </a:xfrm>
+          <a:prstGeom prst="bentConnector3">
+            <a:avLst>
+              <a:gd name="adj1" fmla="val 50000"/>
+            </a:avLst>
+          </a:prstGeom>
+          <a:ln w="19050">
+            <a:solidFill>
+              <a:srgbClr val="7030A0"/>
+            </a:solidFill>
+            <a:headEnd type="none" w="med" len="med"/>
+            <a:tailEnd type="arrow" w="med" len="med"/>
+          </a:ln>
+          <a:effectLst/>
+        </p:spPr>
+        <p:style>
+          <a:lnRef idx="1">
+            <a:schemeClr val="accent2"/>
+          </a:lnRef>
+          <a:fillRef idx="2">
+            <a:schemeClr val="accent2"/>
+          </a:fillRef>
+          <a:effectRef idx="1">
+            <a:schemeClr val="accent2"/>
+          </a:effectRef>
+          <a:fontRef idx="minor">
+            <a:schemeClr val="dk1"/>
+          </a:fontRef>
+        </p:style>
+      </p:cxnSp>
+      <p:sp>
+        <p:nvSpPr>
+          <p:cNvPr id="72" name="Rectangle 8">
+            <a:extLst>
+              <a:ext uri="{FF2B5EF4-FFF2-40B4-BE49-F238E27FC236}">
+                <a16:creationId xmlns:a16="http://schemas.microsoft.com/office/drawing/2014/main" id="{DD40842C-F534-4B4A-AF23-D73CA9D582E7}"/>
+              </a:ext>
+            </a:extLst>
+          </p:cNvPr>
+          <p:cNvSpPr/>
+          <p:nvPr/>
+        </p:nvSpPr>
+        <p:spPr>
+          <a:xfrm>
+            <a:off x="4192476" y="2476513"/>
+            <a:ext cx="1376580" cy="346760"/>
+          </a:xfrm>
+          <a:prstGeom prst="rect">
+            <a:avLst/>
+          </a:prstGeom>
+          <a:ln w="19050">
+            <a:solidFill>
+              <a:srgbClr val="7030A0"/>
+            </a:solidFill>
+          </a:ln>
+          <a:effectLst/>
+        </p:spPr>
+        <p:style>
+          <a:lnRef idx="1">
+            <a:schemeClr val="accent4"/>
+          </a:lnRef>
+          <a:fillRef idx="2">
+            <a:schemeClr val="accent4"/>
+          </a:fillRef>
+          <a:effectRef idx="1">
+            <a:schemeClr val="accent4"/>
+          </a:effectRef>
+          <a:fontRef idx="minor">
+            <a:schemeClr val="dk1"/>
+          </a:fontRef>
+        </p:style>
+        <p:txBody>
+          <a:bodyPr rtlCol="0" anchor="ctr"/>
+          <a:lstStyle/>
+          <a:p>
+            <a:pPr algn="ctr"/>
+            <a:r>
+              <a:rPr lang="en-US" sz="1050" dirty="0" err="1">
+                <a:solidFill>
+                  <a:srgbClr val="7030A0"/>
+                </a:solidFill>
+              </a:rPr>
+              <a:t>TutorialGroupMaster</a:t>
+            </a:r>
+            <a:endParaRPr lang="en-SG" sz="1050" dirty="0">
+              <a:solidFill>
+                <a:srgbClr val="7030A0"/>
+              </a:solidFill>
+            </a:endParaRPr>
+          </a:p>
+        </p:txBody>
+      </p:sp>
+      <p:cxnSp>
+        <p:nvCxnSpPr>
+          <p:cNvPr id="73" name="Elbow Connector 78">
+            <a:extLst>
+              <a:ext uri="{FF2B5EF4-FFF2-40B4-BE49-F238E27FC236}">
+                <a16:creationId xmlns:a16="http://schemas.microsoft.com/office/drawing/2014/main" id="{C9C6BBE8-56DB-49ED-9EBF-D82C46A5225B}"/>
+              </a:ext>
+            </a:extLst>
+          </p:cNvPr>
+          <p:cNvCxnSpPr>
+            <a:cxnSpLocks/>
+            <a:stCxn id="51" idx="3"/>
+            <a:endCxn id="72" idx="1"/>
+          </p:cNvCxnSpPr>
+          <p:nvPr/>
+        </p:nvCxnSpPr>
+        <p:spPr>
+          <a:xfrm flipV="1">
+            <a:off x="3810058" y="2649893"/>
+            <a:ext cx="382418" cy="357329"/>
+          </a:xfrm>
+          <a:prstGeom prst="bentConnector3">
+            <a:avLst>
+              <a:gd name="adj1" fmla="val 50000"/>
+            </a:avLst>
+          </a:prstGeom>
+          <a:ln w="19050">
+            <a:solidFill>
+              <a:srgbClr val="7030A0"/>
+            </a:solidFill>
+            <a:headEnd type="none" w="med" len="med"/>
+            <a:tailEnd type="arrow" w="med" len="med"/>
+          </a:ln>
+          <a:effectLst/>
+        </p:spPr>
+        <p:style>
+          <a:lnRef idx="1">
+            <a:schemeClr val="accent2"/>
+          </a:lnRef>
+          <a:fillRef idx="2">
+            <a:schemeClr val="accent2"/>
+          </a:fillRef>
+          <a:effectRef idx="1">
+            <a:schemeClr val="accent2"/>
+          </a:effectRef>
+          <a:fontRef idx="minor">
+            <a:schemeClr val="dk1"/>
+          </a:fontRef>
+        </p:style>
+      </p:cxnSp>
+      <p:sp>
+        <p:nvSpPr>
+          <p:cNvPr id="82" name="Rectangle 8">
+            <a:extLst>
+              <a:ext uri="{FF2B5EF4-FFF2-40B4-BE49-F238E27FC236}">
+                <a16:creationId xmlns:a16="http://schemas.microsoft.com/office/drawing/2014/main" id="{40C405C0-E9D9-491A-9279-BE03D0EF48F7}"/>
+              </a:ext>
+            </a:extLst>
+          </p:cNvPr>
+          <p:cNvSpPr/>
+          <p:nvPr/>
+        </p:nvSpPr>
+        <p:spPr>
+          <a:xfrm>
+            <a:off x="6052815" y="2474578"/>
+            <a:ext cx="965074" cy="346760"/>
+          </a:xfrm>
+          <a:prstGeom prst="rect">
+            <a:avLst/>
+          </a:prstGeom>
+          <a:ln w="19050">
+            <a:solidFill>
+              <a:srgbClr val="7030A0"/>
+            </a:solidFill>
+          </a:ln>
+          <a:effectLst/>
+        </p:spPr>
+        <p:style>
+          <a:lnRef idx="1">
+            <a:schemeClr val="accent4"/>
+          </a:lnRef>
+          <a:fillRef idx="2">
+            <a:schemeClr val="accent4"/>
+          </a:fillRef>
+          <a:effectRef idx="1">
+            <a:schemeClr val="accent4"/>
+          </a:effectRef>
+          <a:fontRef idx="minor">
+            <a:schemeClr val="dk1"/>
+          </a:fontRef>
+        </p:style>
+        <p:txBody>
+          <a:bodyPr rtlCol="0" anchor="ctr"/>
+          <a:lstStyle/>
+          <a:p>
+            <a:pPr algn="ctr"/>
+            <a:r>
+              <a:rPr lang="en-US" sz="1050" dirty="0" err="1">
+                <a:solidFill>
+                  <a:srgbClr val="7030A0"/>
+                </a:solidFill>
+              </a:rPr>
+              <a:t>TutorialGroup</a:t>
+            </a:r>
+            <a:endParaRPr lang="en-SG" sz="1050" dirty="0">
+              <a:solidFill>
+                <a:srgbClr val="7030A0"/>
+              </a:solidFill>
+            </a:endParaRPr>
+          </a:p>
+        </p:txBody>
+      </p:sp>
+      <p:sp>
+        <p:nvSpPr>
+          <p:cNvPr id="87" name="Flowchart: Decision 96">
+            <a:extLst>
+              <a:ext uri="{FF2B5EF4-FFF2-40B4-BE49-F238E27FC236}">
+                <a16:creationId xmlns:a16="http://schemas.microsoft.com/office/drawing/2014/main" id="{1E0709F2-B4CC-4006-80BA-5DB0673BB814}"/>
+              </a:ext>
+            </a:extLst>
+          </p:cNvPr>
+          <p:cNvSpPr/>
+          <p:nvPr/>
+        </p:nvSpPr>
+        <p:spPr>
+          <a:xfrm>
+            <a:off x="5589580" y="2561268"/>
+            <a:ext cx="236048" cy="173380"/>
+          </a:xfrm>
+          <a:prstGeom prst="flowChartDecision">
+            <a:avLst/>
+          </a:prstGeom>
+          <a:noFill/>
+          <a:ln w="19050">
+            <a:solidFill>
+              <a:srgbClr val="7030A0"/>
+            </a:solidFill>
+          </a:ln>
+          <a:effectLst/>
+        </p:spPr>
+        <p:style>
+          <a:lnRef idx="1">
+            <a:schemeClr val="accent6"/>
+          </a:lnRef>
+          <a:fillRef idx="2">
+            <a:schemeClr val="accent6"/>
+          </a:fillRef>
+          <a:effectRef idx="1">
+            <a:schemeClr val="accent6"/>
+          </a:effectRef>
+          <a:fontRef idx="minor">
+            <a:schemeClr val="dk1"/>
+          </a:fontRef>
+        </p:style>
+        <p:txBody>
+          <a:bodyPr rtlCol="0" anchor="ctr"/>
+          <a:lstStyle/>
+          <a:p>
+            <a:pPr algn="ctr"/>
+            <a:endParaRPr lang="en-US" sz="1050"/>
+          </a:p>
+        </p:txBody>
+      </p:sp>
+      <p:cxnSp>
+        <p:nvCxnSpPr>
+          <p:cNvPr id="88" name="Elbow Connector 63">
+            <a:extLst>
+              <a:ext uri="{FF2B5EF4-FFF2-40B4-BE49-F238E27FC236}">
+                <a16:creationId xmlns:a16="http://schemas.microsoft.com/office/drawing/2014/main" id="{B4C6D809-FECB-41CA-9EBF-01D916DB09A0}"/>
+              </a:ext>
+            </a:extLst>
+          </p:cNvPr>
+          <p:cNvCxnSpPr>
+            <a:stCxn id="87" idx="3"/>
+          </p:cNvCxnSpPr>
+          <p:nvPr/>
+        </p:nvCxnSpPr>
+        <p:spPr>
+          <a:xfrm>
+            <a:off x="5825628" y="2647958"/>
+            <a:ext cx="218878" cy="3080"/>
+          </a:xfrm>
+          <a:prstGeom prst="bentConnector3">
+            <a:avLst/>
+          </a:prstGeom>
+          <a:ln w="19050">
+            <a:solidFill>
+              <a:srgbClr val="7030A0"/>
+            </a:solidFill>
+            <a:headEnd type="none" w="med" len="med"/>
+            <a:tailEnd type="arrow" w="med" len="med"/>
+          </a:ln>
+          <a:effectLst/>
+        </p:spPr>
+        <p:style>
+          <a:lnRef idx="1">
+            <a:schemeClr val="accent2"/>
+          </a:lnRef>
+          <a:fillRef idx="2">
+            <a:schemeClr val="accent2"/>
+          </a:fillRef>
+          <a:effectRef idx="1">
+            <a:schemeClr val="accent2"/>
+          </a:effectRef>
+          <a:fontRef idx="minor">
+            <a:schemeClr val="dk1"/>
+          </a:fontRef>
+        </p:style>
+      </p:cxnSp>
+      <p:sp>
+        <p:nvSpPr>
+          <p:cNvPr id="89" name="TextBox 88">
+            <a:extLst>
+              <a:ext uri="{FF2B5EF4-FFF2-40B4-BE49-F238E27FC236}">
+                <a16:creationId xmlns:a16="http://schemas.microsoft.com/office/drawing/2014/main" id="{D082B150-7DE2-469E-9272-36461710B5BD}"/>
+              </a:ext>
+            </a:extLst>
+          </p:cNvPr>
+          <p:cNvSpPr txBox="1"/>
+          <p:nvPr/>
+        </p:nvSpPr>
+        <p:spPr>
+          <a:xfrm>
+            <a:off x="5825628" y="2715489"/>
+            <a:ext cx="189257" cy="178683"/>
+          </a:xfrm>
+          <a:prstGeom prst="rect">
+            <a:avLst/>
+          </a:prstGeom>
+          <a:noFill/>
+        </p:spPr>
+        <p:txBody>
+          <a:bodyPr wrap="square" lIns="0" tIns="0" rIns="0" bIns="0" rtlCol="0">
+            <a:noAutofit/>
+          </a:bodyPr>
+          <a:lstStyle/>
+          <a:p>
+            <a:pPr algn="ctr"/>
+            <a:r>
+              <a:rPr lang="en-US" sz="1100" dirty="0">
+                <a:solidFill>
+                  <a:srgbClr val="7030A0"/>
+                </a:solidFill>
+              </a:rPr>
+              <a:t>*</a:t>
+            </a:r>
+            <a:endParaRPr lang="en-SG" sz="1100" dirty="0">
+              <a:solidFill>
+                <a:srgbClr val="7030A0"/>
+              </a:solidFill>
+            </a:endParaRPr>
+          </a:p>
+        </p:txBody>
+      </p:sp>
+      <p:sp>
+        <p:nvSpPr>
+          <p:cNvPr id="90" name="Rectangle 8">
+            <a:extLst>
+              <a:ext uri="{FF2B5EF4-FFF2-40B4-BE49-F238E27FC236}">
+                <a16:creationId xmlns:a16="http://schemas.microsoft.com/office/drawing/2014/main" id="{76FEF662-59AD-4BF1-80D8-9C305B2D5588}"/>
+              </a:ext>
+            </a:extLst>
+          </p:cNvPr>
+          <p:cNvSpPr/>
+          <p:nvPr/>
+        </p:nvSpPr>
+        <p:spPr>
+          <a:xfrm>
+            <a:off x="4180710" y="1577311"/>
+            <a:ext cx="1408870" cy="346760"/>
+          </a:xfrm>
+          <a:prstGeom prst="rect">
+            <a:avLst/>
+          </a:prstGeom>
+          <a:ln w="19050">
+            <a:solidFill>
+              <a:srgbClr val="7030A0"/>
+            </a:solidFill>
+          </a:ln>
+          <a:effectLst/>
+        </p:spPr>
+        <p:style>
+          <a:lnRef idx="1">
+            <a:schemeClr val="accent4"/>
+          </a:lnRef>
+          <a:fillRef idx="2">
+            <a:schemeClr val="accent4"/>
+          </a:fillRef>
+          <a:effectRef idx="1">
+            <a:schemeClr val="accent4"/>
+          </a:effectRef>
+          <a:fontRef idx="minor">
+            <a:schemeClr val="dk1"/>
+          </a:fontRef>
+        </p:style>
+        <p:txBody>
+          <a:bodyPr rtlCol="0" anchor="ctr"/>
+          <a:lstStyle/>
+          <a:p>
+            <a:pPr algn="ctr"/>
+            <a:r>
+              <a:rPr lang="en-US" sz="1050" dirty="0" err="1">
+                <a:solidFill>
+                  <a:srgbClr val="7030A0"/>
+                </a:solidFill>
+              </a:rPr>
+              <a:t>UniqueAssignmentList</a:t>
+            </a:r>
+            <a:endParaRPr lang="en-SG" sz="1050" dirty="0">
+              <a:solidFill>
+                <a:srgbClr val="7030A0"/>
+              </a:solidFill>
+            </a:endParaRPr>
+          </a:p>
+        </p:txBody>
+      </p:sp>
+      <p:cxnSp>
+        <p:nvCxnSpPr>
+          <p:cNvPr id="91" name="Elbow Connector 78">
+            <a:extLst>
+              <a:ext uri="{FF2B5EF4-FFF2-40B4-BE49-F238E27FC236}">
+                <a16:creationId xmlns:a16="http://schemas.microsoft.com/office/drawing/2014/main" id="{D0F4F76A-BAA9-4856-9E0D-E3050FC777F5}"/>
+              </a:ext>
+            </a:extLst>
+          </p:cNvPr>
+          <p:cNvCxnSpPr>
+            <a:cxnSpLocks/>
+            <a:stCxn id="95" idx="3"/>
+            <a:endCxn id="49" idx="0"/>
+          </p:cNvCxnSpPr>
+          <p:nvPr/>
+        </p:nvCxnSpPr>
+        <p:spPr>
+          <a:xfrm rot="5400000">
+            <a:off x="5564698" y="2382837"/>
+            <a:ext cx="286722" cy="1654586"/>
+          </a:xfrm>
+          <a:prstGeom prst="bentConnector3">
+            <a:avLst>
+              <a:gd name="adj1" fmla="val 35117"/>
+            </a:avLst>
+          </a:prstGeom>
+          <a:ln w="19050">
+            <a:solidFill>
+              <a:srgbClr val="7030A0"/>
+            </a:solidFill>
+            <a:headEnd type="none" w="med" len="med"/>
+            <a:tailEnd type="arrow" w="med" len="med"/>
+          </a:ln>
+          <a:effectLst/>
+        </p:spPr>
+        <p:style>
+          <a:lnRef idx="1">
+            <a:schemeClr val="accent2"/>
+          </a:lnRef>
+          <a:fillRef idx="2">
+            <a:schemeClr val="accent2"/>
+          </a:fillRef>
+          <a:effectRef idx="1">
+            <a:schemeClr val="accent2"/>
+          </a:effectRef>
+          <a:fontRef idx="minor">
+            <a:schemeClr val="dk1"/>
+          </a:fontRef>
+        </p:style>
+      </p:cxnSp>
+      <p:sp>
+        <p:nvSpPr>
+          <p:cNvPr id="92" name="TextBox 91">
+            <a:extLst>
+              <a:ext uri="{FF2B5EF4-FFF2-40B4-BE49-F238E27FC236}">
+                <a16:creationId xmlns:a16="http://schemas.microsoft.com/office/drawing/2014/main" id="{6A9836E7-827B-49C9-A0AA-966CEC7828FF}"/>
+              </a:ext>
+            </a:extLst>
+          </p:cNvPr>
+          <p:cNvSpPr txBox="1"/>
+          <p:nvPr/>
+        </p:nvSpPr>
+        <p:spPr>
+          <a:xfrm>
+            <a:off x="4714423" y="3084310"/>
+            <a:ext cx="189257" cy="178683"/>
+          </a:xfrm>
+          <a:prstGeom prst="rect">
+            <a:avLst/>
+          </a:prstGeom>
+          <a:noFill/>
+        </p:spPr>
+        <p:txBody>
+          <a:bodyPr wrap="square" lIns="0" tIns="0" rIns="0" bIns="0" rtlCol="0">
+            <a:noAutofit/>
+          </a:bodyPr>
+          <a:lstStyle/>
+          <a:p>
+            <a:pPr algn="ctr"/>
+            <a:r>
+              <a:rPr lang="en-US" sz="1100" dirty="0">
+                <a:solidFill>
+                  <a:srgbClr val="7030A0"/>
+                </a:solidFill>
+              </a:rPr>
+              <a:t>1</a:t>
+            </a:r>
+            <a:endParaRPr lang="en-SG" sz="1100" dirty="0">
+              <a:solidFill>
+                <a:srgbClr val="7030A0"/>
+              </a:solidFill>
+            </a:endParaRPr>
+          </a:p>
+        </p:txBody>
+      </p:sp>
+      <p:sp>
+        <p:nvSpPr>
+          <p:cNvPr id="93" name="TextBox 92">
+            <a:extLst>
+              <a:ext uri="{FF2B5EF4-FFF2-40B4-BE49-F238E27FC236}">
+                <a16:creationId xmlns:a16="http://schemas.microsoft.com/office/drawing/2014/main" id="{D62B5AF2-6D35-4686-A745-520215C8BAE9}"/>
+              </a:ext>
+            </a:extLst>
+          </p:cNvPr>
+          <p:cNvSpPr txBox="1"/>
+          <p:nvPr/>
+        </p:nvSpPr>
+        <p:spPr>
+          <a:xfrm>
+            <a:off x="3958416" y="2442739"/>
+            <a:ext cx="189257" cy="178683"/>
+          </a:xfrm>
+          <a:prstGeom prst="rect">
+            <a:avLst/>
+          </a:prstGeom>
+          <a:noFill/>
+        </p:spPr>
+        <p:txBody>
+          <a:bodyPr wrap="square" lIns="0" tIns="0" rIns="0" bIns="0" rtlCol="0">
+            <a:noAutofit/>
+          </a:bodyPr>
+          <a:lstStyle/>
+          <a:p>
+            <a:pPr algn="ctr"/>
+            <a:r>
+              <a:rPr lang="en-US" sz="1100" dirty="0">
+                <a:solidFill>
+                  <a:srgbClr val="7030A0"/>
+                </a:solidFill>
+              </a:rPr>
+              <a:t>1</a:t>
+            </a:r>
+            <a:endParaRPr lang="en-SG" sz="1100" dirty="0">
+              <a:solidFill>
+                <a:srgbClr val="7030A0"/>
+              </a:solidFill>
+            </a:endParaRPr>
+          </a:p>
+        </p:txBody>
+      </p:sp>
+      <p:sp>
+        <p:nvSpPr>
+          <p:cNvPr id="95" name="Flowchart: Decision 96">
+            <a:extLst>
+              <a:ext uri="{FF2B5EF4-FFF2-40B4-BE49-F238E27FC236}">
+                <a16:creationId xmlns:a16="http://schemas.microsoft.com/office/drawing/2014/main" id="{31BFE58D-40A6-4614-A7B7-31CFA5134431}"/>
+              </a:ext>
+            </a:extLst>
+          </p:cNvPr>
+          <p:cNvSpPr/>
+          <p:nvPr/>
+        </p:nvSpPr>
+        <p:spPr>
+          <a:xfrm rot="5400000">
+            <a:off x="6417328" y="2862055"/>
+            <a:ext cx="236048" cy="173380"/>
+          </a:xfrm>
+          <a:prstGeom prst="flowChartDecision">
+            <a:avLst/>
+          </a:prstGeom>
+          <a:noFill/>
+          <a:ln w="19050">
+            <a:solidFill>
+              <a:srgbClr val="7030A0"/>
+            </a:solidFill>
+          </a:ln>
+          <a:effectLst/>
+        </p:spPr>
+        <p:style>
+          <a:lnRef idx="1">
+            <a:schemeClr val="accent6"/>
+          </a:lnRef>
+          <a:fillRef idx="2">
+            <a:schemeClr val="accent6"/>
+          </a:fillRef>
+          <a:effectRef idx="1">
+            <a:schemeClr val="accent6"/>
+          </a:effectRef>
+          <a:fontRef idx="minor">
+            <a:schemeClr val="dk1"/>
+          </a:fontRef>
+        </p:style>
+        <p:txBody>
+          <a:bodyPr rtlCol="0" anchor="ctr"/>
+          <a:lstStyle/>
+          <a:p>
+            <a:pPr algn="ctr"/>
+            <a:endParaRPr lang="en-US" sz="1050"/>
+          </a:p>
+        </p:txBody>
+      </p:sp>
+      <p:sp>
+        <p:nvSpPr>
+          <p:cNvPr id="105" name="Flowchart: Decision 96">
+            <a:extLst>
+              <a:ext uri="{FF2B5EF4-FFF2-40B4-BE49-F238E27FC236}">
+                <a16:creationId xmlns:a16="http://schemas.microsoft.com/office/drawing/2014/main" id="{8FB95ECA-064A-48E3-8B63-4EBE512A0EA1}"/>
+              </a:ext>
+            </a:extLst>
+          </p:cNvPr>
+          <p:cNvSpPr/>
+          <p:nvPr/>
+        </p:nvSpPr>
+        <p:spPr>
+          <a:xfrm rot="5400000">
+            <a:off x="6407287" y="2260371"/>
+            <a:ext cx="236048" cy="173380"/>
+          </a:xfrm>
+          <a:prstGeom prst="flowChartDecision">
+            <a:avLst/>
+          </a:prstGeom>
+          <a:noFill/>
+          <a:ln w="19050">
+            <a:solidFill>
+              <a:srgbClr val="7030A0"/>
+            </a:solidFill>
+          </a:ln>
+          <a:effectLst/>
+        </p:spPr>
+        <p:style>
+          <a:lnRef idx="1">
+            <a:schemeClr val="accent6"/>
+          </a:lnRef>
+          <a:fillRef idx="2">
+            <a:schemeClr val="accent6"/>
+          </a:fillRef>
+          <a:effectRef idx="1">
+            <a:schemeClr val="accent6"/>
+          </a:effectRef>
+          <a:fontRef idx="minor">
+            <a:schemeClr val="dk1"/>
+          </a:fontRef>
+        </p:style>
+        <p:txBody>
+          <a:bodyPr rtlCol="0" anchor="ctr"/>
+          <a:lstStyle/>
+          <a:p>
+            <a:pPr algn="ctr"/>
+            <a:endParaRPr lang="en-US" sz="1050"/>
+          </a:p>
+        </p:txBody>
+      </p:sp>
+      <p:cxnSp>
+        <p:nvCxnSpPr>
+          <p:cNvPr id="106" name="Elbow Connector 78">
+            <a:extLst>
+              <a:ext uri="{FF2B5EF4-FFF2-40B4-BE49-F238E27FC236}">
+                <a16:creationId xmlns:a16="http://schemas.microsoft.com/office/drawing/2014/main" id="{AE9EFF59-C085-40B2-9E5E-914AC82D556D}"/>
+              </a:ext>
+            </a:extLst>
+          </p:cNvPr>
+          <p:cNvCxnSpPr>
+            <a:cxnSpLocks/>
+            <a:stCxn id="105" idx="1"/>
+            <a:endCxn id="90" idx="2"/>
+          </p:cNvCxnSpPr>
+          <p:nvPr/>
+        </p:nvCxnSpPr>
+        <p:spPr>
+          <a:xfrm rot="16200000" flipV="1">
+            <a:off x="5552745" y="1256471"/>
+            <a:ext cx="304966" cy="1640166"/>
+          </a:xfrm>
+          <a:prstGeom prst="bentConnector3">
+            <a:avLst>
+              <a:gd name="adj1" fmla="val 26013"/>
+            </a:avLst>
+          </a:prstGeom>
+          <a:ln w="19050">
+            <a:solidFill>
+              <a:srgbClr val="7030A0"/>
+            </a:solidFill>
+            <a:headEnd type="none" w="med" len="med"/>
+            <a:tailEnd type="arrow" w="med" len="med"/>
+          </a:ln>
+          <a:effectLst/>
+        </p:spPr>
+        <p:style>
+          <a:lnRef idx="1">
+            <a:schemeClr val="accent2"/>
+          </a:lnRef>
+          <a:fillRef idx="2">
+            <a:schemeClr val="accent2"/>
+          </a:fillRef>
+          <a:effectRef idx="1">
+            <a:schemeClr val="accent2"/>
+          </a:effectRef>
+          <a:fontRef idx="minor">
+            <a:schemeClr val="dk1"/>
+          </a:fontRef>
+        </p:style>
+      </p:cxnSp>
+      <p:sp>
+        <p:nvSpPr>
+          <p:cNvPr id="110" name="TextBox 109">
+            <a:extLst>
+              <a:ext uri="{FF2B5EF4-FFF2-40B4-BE49-F238E27FC236}">
+                <a16:creationId xmlns:a16="http://schemas.microsoft.com/office/drawing/2014/main" id="{BA2AD432-E745-4ADB-B03C-49770BCFD597}"/>
+              </a:ext>
+            </a:extLst>
+          </p:cNvPr>
+          <p:cNvSpPr txBox="1"/>
+          <p:nvPr/>
+        </p:nvSpPr>
+        <p:spPr>
+          <a:xfrm>
+            <a:off x="4677664" y="1981707"/>
+            <a:ext cx="189257" cy="178683"/>
+          </a:xfrm>
+          <a:prstGeom prst="rect">
+            <a:avLst/>
+          </a:prstGeom>
+          <a:noFill/>
+        </p:spPr>
+        <p:txBody>
+          <a:bodyPr wrap="square" lIns="0" tIns="0" rIns="0" bIns="0" rtlCol="0">
+            <a:noAutofit/>
+          </a:bodyPr>
+          <a:lstStyle/>
+          <a:p>
+            <a:pPr algn="ctr"/>
+            <a:r>
+              <a:rPr lang="en-US" sz="1100" dirty="0">
+                <a:solidFill>
+                  <a:srgbClr val="7030A0"/>
+                </a:solidFill>
+              </a:rPr>
+              <a:t>1</a:t>
+            </a:r>
+            <a:endParaRPr lang="en-SG" sz="1100" dirty="0">
+              <a:solidFill>
+                <a:srgbClr val="7030A0"/>
+              </a:solidFill>
+            </a:endParaRPr>
+          </a:p>
+        </p:txBody>
+      </p:sp>
+      <p:sp>
+        <p:nvSpPr>
+          <p:cNvPr id="111" name="Rectangle 8">
+            <a:extLst>
+              <a:ext uri="{FF2B5EF4-FFF2-40B4-BE49-F238E27FC236}">
+                <a16:creationId xmlns:a16="http://schemas.microsoft.com/office/drawing/2014/main" id="{1CC5B4BA-967F-41BC-8BE8-55FD4BDE6687}"/>
+              </a:ext>
+            </a:extLst>
+          </p:cNvPr>
+          <p:cNvSpPr/>
+          <p:nvPr/>
+        </p:nvSpPr>
+        <p:spPr>
+          <a:xfrm>
+            <a:off x="6054450" y="1572564"/>
+            <a:ext cx="879750" cy="346760"/>
+          </a:xfrm>
+          <a:prstGeom prst="rect">
+            <a:avLst/>
+          </a:prstGeom>
+          <a:ln w="19050">
+            <a:solidFill>
+              <a:srgbClr val="7030A0"/>
+            </a:solidFill>
+          </a:ln>
+          <a:effectLst/>
+        </p:spPr>
+        <p:style>
+          <a:lnRef idx="1">
+            <a:schemeClr val="accent4"/>
+          </a:lnRef>
+          <a:fillRef idx="2">
+            <a:schemeClr val="accent4"/>
+          </a:fillRef>
+          <a:effectRef idx="1">
+            <a:schemeClr val="accent4"/>
+          </a:effectRef>
+          <a:fontRef idx="minor">
+            <a:schemeClr val="dk1"/>
+          </a:fontRef>
+        </p:style>
+        <p:txBody>
+          <a:bodyPr rtlCol="0" anchor="ctr"/>
+          <a:lstStyle/>
+          <a:p>
+            <a:pPr algn="ctr"/>
+            <a:r>
+              <a:rPr lang="en-US" sz="1050" dirty="0">
+                <a:solidFill>
+                  <a:srgbClr val="7030A0"/>
+                </a:solidFill>
+              </a:rPr>
+              <a:t>Assignment</a:t>
+            </a:r>
+            <a:endParaRPr lang="en-SG" sz="1050" dirty="0">
+              <a:solidFill>
+                <a:srgbClr val="7030A0"/>
+              </a:solidFill>
+            </a:endParaRPr>
+          </a:p>
+        </p:txBody>
+      </p:sp>
+      <p:sp>
+        <p:nvSpPr>
+          <p:cNvPr id="112" name="Flowchart: Decision 96">
+            <a:extLst>
+              <a:ext uri="{FF2B5EF4-FFF2-40B4-BE49-F238E27FC236}">
+                <a16:creationId xmlns:a16="http://schemas.microsoft.com/office/drawing/2014/main" id="{64AD5CD6-986D-42CE-A411-782FAB44CABF}"/>
+              </a:ext>
+            </a:extLst>
+          </p:cNvPr>
+          <p:cNvSpPr/>
+          <p:nvPr/>
+        </p:nvSpPr>
+        <p:spPr>
+          <a:xfrm>
+            <a:off x="5607804" y="1659254"/>
+            <a:ext cx="236048" cy="173380"/>
+          </a:xfrm>
+          <a:prstGeom prst="flowChartDecision">
+            <a:avLst/>
+          </a:prstGeom>
+          <a:noFill/>
+          <a:ln w="19050">
+            <a:solidFill>
+              <a:srgbClr val="7030A0"/>
+            </a:solidFill>
+          </a:ln>
+          <a:effectLst/>
+        </p:spPr>
+        <p:style>
+          <a:lnRef idx="1">
+            <a:schemeClr val="accent6"/>
+          </a:lnRef>
+          <a:fillRef idx="2">
+            <a:schemeClr val="accent6"/>
+          </a:fillRef>
+          <a:effectRef idx="1">
+            <a:schemeClr val="accent6"/>
+          </a:effectRef>
+          <a:fontRef idx="minor">
+            <a:schemeClr val="dk1"/>
+          </a:fontRef>
+        </p:style>
+        <p:txBody>
+          <a:bodyPr rtlCol="0" anchor="ctr"/>
+          <a:lstStyle/>
+          <a:p>
+            <a:pPr algn="ctr"/>
+            <a:endParaRPr lang="en-US" sz="1050"/>
+          </a:p>
+        </p:txBody>
+      </p:sp>
+      <p:cxnSp>
+        <p:nvCxnSpPr>
+          <p:cNvPr id="113" name="Elbow Connector 63">
+            <a:extLst>
+              <a:ext uri="{FF2B5EF4-FFF2-40B4-BE49-F238E27FC236}">
+                <a16:creationId xmlns:a16="http://schemas.microsoft.com/office/drawing/2014/main" id="{B3FBBF41-16CA-44C0-83E3-A9C28EC4401D}"/>
+              </a:ext>
+            </a:extLst>
+          </p:cNvPr>
+          <p:cNvCxnSpPr>
+            <a:stCxn id="112" idx="3"/>
+          </p:cNvCxnSpPr>
+          <p:nvPr/>
+        </p:nvCxnSpPr>
+        <p:spPr>
+          <a:xfrm>
+            <a:off x="5843852" y="1745944"/>
+            <a:ext cx="218878" cy="3080"/>
+          </a:xfrm>
+          <a:prstGeom prst="bentConnector3">
+            <a:avLst/>
+          </a:prstGeom>
+          <a:ln w="19050">
+            <a:solidFill>
+              <a:srgbClr val="7030A0"/>
+            </a:solidFill>
+            <a:headEnd type="none" w="med" len="med"/>
+            <a:tailEnd type="arrow" w="med" len="med"/>
+          </a:ln>
+          <a:effectLst/>
+        </p:spPr>
+        <p:style>
+          <a:lnRef idx="1">
+            <a:schemeClr val="accent2"/>
+          </a:lnRef>
+          <a:fillRef idx="2">
+            <a:schemeClr val="accent2"/>
+          </a:fillRef>
+          <a:effectRef idx="1">
+            <a:schemeClr val="accent2"/>
+          </a:effectRef>
+          <a:fontRef idx="minor">
+            <a:schemeClr val="dk1"/>
+          </a:fontRef>
+        </p:style>
+      </p:cxnSp>
+      <p:sp>
+        <p:nvSpPr>
+          <p:cNvPr id="115" name="TextBox 114">
+            <a:extLst>
+              <a:ext uri="{FF2B5EF4-FFF2-40B4-BE49-F238E27FC236}">
+                <a16:creationId xmlns:a16="http://schemas.microsoft.com/office/drawing/2014/main" id="{74BC3E24-1456-458D-A796-891CBCFB5F1C}"/>
+              </a:ext>
+            </a:extLst>
+          </p:cNvPr>
+          <p:cNvSpPr txBox="1"/>
+          <p:nvPr/>
+        </p:nvSpPr>
+        <p:spPr>
+          <a:xfrm>
+            <a:off x="5843852" y="1813475"/>
+            <a:ext cx="189257" cy="178683"/>
+          </a:xfrm>
+          <a:prstGeom prst="rect">
+            <a:avLst/>
+          </a:prstGeom>
+          <a:noFill/>
+        </p:spPr>
+        <p:txBody>
+          <a:bodyPr wrap="square" lIns="0" tIns="0" rIns="0" bIns="0" rtlCol="0">
+            <a:noAutofit/>
+          </a:bodyPr>
+          <a:lstStyle/>
+          <a:p>
+            <a:pPr algn="ctr"/>
+            <a:r>
+              <a:rPr lang="en-US" sz="1100" dirty="0">
+                <a:solidFill>
+                  <a:srgbClr val="7030A0"/>
+                </a:solidFill>
+              </a:rPr>
+              <a:t>*</a:t>
+            </a:r>
+            <a:endParaRPr lang="en-SG" sz="1100" dirty="0">
+              <a:solidFill>
+                <a:srgbClr val="7030A0"/>
+              </a:solidFill>
+            </a:endParaRPr>
+          </a:p>
+        </p:txBody>
+      </p:sp>
+      <p:sp>
+        <p:nvSpPr>
+          <p:cNvPr id="117" name="Rectangle 8">
+            <a:extLst>
+              <a:ext uri="{FF2B5EF4-FFF2-40B4-BE49-F238E27FC236}">
+                <a16:creationId xmlns:a16="http://schemas.microsoft.com/office/drawing/2014/main" id="{706535DB-19DA-49BD-AAE4-38FDC30F772F}"/>
+              </a:ext>
+            </a:extLst>
+          </p:cNvPr>
+          <p:cNvSpPr/>
+          <p:nvPr/>
+        </p:nvSpPr>
+        <p:spPr>
+          <a:xfrm>
+            <a:off x="7447101" y="1412252"/>
+            <a:ext cx="853615" cy="285783"/>
+          </a:xfrm>
+          <a:prstGeom prst="rect">
+            <a:avLst/>
+          </a:prstGeom>
+          <a:ln w="19050">
+            <a:solidFill>
+              <a:srgbClr val="7030A0"/>
+            </a:solidFill>
+          </a:ln>
+          <a:effectLst/>
+        </p:spPr>
+        <p:style>
+          <a:lnRef idx="1">
+            <a:schemeClr val="accent4"/>
+          </a:lnRef>
+          <a:fillRef idx="2">
+            <a:schemeClr val="accent4"/>
+          </a:fillRef>
+          <a:effectRef idx="1">
+            <a:schemeClr val="accent4"/>
+          </a:effectRef>
+          <a:fontRef idx="minor">
+            <a:schemeClr val="dk1"/>
+          </a:fontRef>
+        </p:style>
+        <p:txBody>
+          <a:bodyPr rtlCol="0" anchor="ctr"/>
+          <a:lstStyle/>
+          <a:p>
+            <a:pPr algn="ctr"/>
+            <a:r>
+              <a:rPr lang="en-US" sz="1050" dirty="0">
+                <a:solidFill>
+                  <a:srgbClr val="7030A0"/>
+                </a:solidFill>
+              </a:rPr>
+              <a:t>Title</a:t>
+            </a:r>
+            <a:endParaRPr lang="en-SG" sz="1050" dirty="0">
+              <a:solidFill>
+                <a:srgbClr val="7030A0"/>
+              </a:solidFill>
+            </a:endParaRPr>
+          </a:p>
+        </p:txBody>
+      </p:sp>
+      <p:sp>
+        <p:nvSpPr>
+          <p:cNvPr id="121" name="Rectangle 8">
+            <a:extLst>
+              <a:ext uri="{FF2B5EF4-FFF2-40B4-BE49-F238E27FC236}">
+                <a16:creationId xmlns:a16="http://schemas.microsoft.com/office/drawing/2014/main" id="{4C88F815-9E7A-4A92-8819-2880C05AEB57}"/>
+              </a:ext>
+            </a:extLst>
+          </p:cNvPr>
+          <p:cNvSpPr/>
+          <p:nvPr/>
+        </p:nvSpPr>
+        <p:spPr>
+          <a:xfrm>
+            <a:off x="7447102" y="1847817"/>
+            <a:ext cx="853615" cy="285783"/>
+          </a:xfrm>
+          <a:prstGeom prst="rect">
+            <a:avLst/>
+          </a:prstGeom>
+          <a:ln w="19050">
+            <a:solidFill>
+              <a:srgbClr val="7030A0"/>
+            </a:solidFill>
+          </a:ln>
+          <a:effectLst/>
+        </p:spPr>
+        <p:style>
+          <a:lnRef idx="1">
+            <a:schemeClr val="accent4"/>
+          </a:lnRef>
+          <a:fillRef idx="2">
+            <a:schemeClr val="accent4"/>
+          </a:fillRef>
+          <a:effectRef idx="1">
+            <a:schemeClr val="accent4"/>
+          </a:effectRef>
+          <a:fontRef idx="minor">
+            <a:schemeClr val="dk1"/>
+          </a:fontRef>
+        </p:style>
+        <p:txBody>
+          <a:bodyPr rtlCol="0" anchor="ctr"/>
+          <a:lstStyle/>
+          <a:p>
+            <a:pPr algn="ctr"/>
+            <a:r>
+              <a:rPr lang="en-US" sz="1050" dirty="0" err="1">
+                <a:solidFill>
+                  <a:srgbClr val="7030A0"/>
+                </a:solidFill>
+              </a:rPr>
+              <a:t>GradeBook</a:t>
+            </a:r>
+            <a:endParaRPr lang="en-SG" sz="1050" dirty="0">
+              <a:solidFill>
+                <a:srgbClr val="7030A0"/>
+              </a:solidFill>
+            </a:endParaRPr>
+          </a:p>
+        </p:txBody>
+      </p:sp>
+      <p:cxnSp>
+        <p:nvCxnSpPr>
+          <p:cNvPr id="125" name="Elbow Connector 78">
+            <a:extLst>
+              <a:ext uri="{FF2B5EF4-FFF2-40B4-BE49-F238E27FC236}">
+                <a16:creationId xmlns:a16="http://schemas.microsoft.com/office/drawing/2014/main" id="{0A340F75-994E-4304-AFD1-083807B07D8C}"/>
+              </a:ext>
+            </a:extLst>
+          </p:cNvPr>
+          <p:cNvCxnSpPr>
+            <a:cxnSpLocks/>
+            <a:stCxn id="126" idx="3"/>
+            <a:endCxn id="121" idx="1"/>
+          </p:cNvCxnSpPr>
+          <p:nvPr/>
+        </p:nvCxnSpPr>
+        <p:spPr>
+          <a:xfrm>
+            <a:off x="7184649" y="1763781"/>
+            <a:ext cx="262453" cy="226928"/>
+          </a:xfrm>
+          <a:prstGeom prst="bentConnector3">
+            <a:avLst>
+              <a:gd name="adj1" fmla="val 50000"/>
+            </a:avLst>
+          </a:prstGeom>
+          <a:ln w="19050">
+            <a:solidFill>
+              <a:srgbClr val="7030A0"/>
+            </a:solidFill>
+            <a:headEnd type="none" w="med" len="med"/>
+            <a:tailEnd type="arrow" w="med" len="med"/>
+          </a:ln>
+          <a:effectLst/>
+        </p:spPr>
+        <p:style>
+          <a:lnRef idx="1">
+            <a:schemeClr val="accent2"/>
+          </a:lnRef>
+          <a:fillRef idx="2">
+            <a:schemeClr val="accent2"/>
+          </a:fillRef>
+          <a:effectRef idx="1">
+            <a:schemeClr val="accent2"/>
+          </a:effectRef>
+          <a:fontRef idx="minor">
+            <a:schemeClr val="dk1"/>
+          </a:fontRef>
+        </p:style>
+      </p:cxnSp>
+      <p:sp>
+        <p:nvSpPr>
+          <p:cNvPr id="126" name="Flowchart: Decision 96">
+            <a:extLst>
+              <a:ext uri="{FF2B5EF4-FFF2-40B4-BE49-F238E27FC236}">
+                <a16:creationId xmlns:a16="http://schemas.microsoft.com/office/drawing/2014/main" id="{C383CE15-D05D-473F-B174-F20A36CF7B7E}"/>
+              </a:ext>
+            </a:extLst>
+          </p:cNvPr>
+          <p:cNvSpPr/>
+          <p:nvPr/>
+        </p:nvSpPr>
+        <p:spPr>
+          <a:xfrm>
+            <a:off x="6948601" y="1677091"/>
+            <a:ext cx="236048" cy="173380"/>
+          </a:xfrm>
+          <a:prstGeom prst="flowChartDecision">
+            <a:avLst/>
+          </a:prstGeom>
+          <a:solidFill>
+            <a:srgbClr val="7030A0"/>
+          </a:solidFill>
+          <a:ln w="19050">
+            <a:solidFill>
+              <a:srgbClr val="7030A0"/>
+            </a:solidFill>
+          </a:ln>
+          <a:effectLst/>
+        </p:spPr>
+        <p:style>
+          <a:lnRef idx="1">
+            <a:schemeClr val="accent6"/>
+          </a:lnRef>
+          <a:fillRef idx="2">
+            <a:schemeClr val="accent6"/>
+          </a:fillRef>
+          <a:effectRef idx="1">
+            <a:schemeClr val="accent6"/>
+          </a:effectRef>
+          <a:fontRef idx="minor">
+            <a:schemeClr val="dk1"/>
+          </a:fontRef>
+        </p:style>
+        <p:txBody>
+          <a:bodyPr rtlCol="0" anchor="ctr"/>
+          <a:lstStyle/>
+          <a:p>
+            <a:pPr algn="ctr"/>
+            <a:endParaRPr lang="en-US" sz="1050"/>
+          </a:p>
+        </p:txBody>
+      </p:sp>
+      <p:cxnSp>
+        <p:nvCxnSpPr>
+          <p:cNvPr id="127" name="Elbow Connector 78">
+            <a:extLst>
+              <a:ext uri="{FF2B5EF4-FFF2-40B4-BE49-F238E27FC236}">
+                <a16:creationId xmlns:a16="http://schemas.microsoft.com/office/drawing/2014/main" id="{D3AC8322-C362-4A1D-B22D-4A5BC152FA3B}"/>
+              </a:ext>
+            </a:extLst>
+          </p:cNvPr>
+          <p:cNvCxnSpPr>
+            <a:cxnSpLocks/>
+            <a:stCxn id="126" idx="3"/>
+            <a:endCxn id="117" idx="1"/>
+          </p:cNvCxnSpPr>
+          <p:nvPr/>
+        </p:nvCxnSpPr>
+        <p:spPr>
+          <a:xfrm flipV="1">
+            <a:off x="7184649" y="1555144"/>
+            <a:ext cx="262452" cy="208637"/>
+          </a:xfrm>
+          <a:prstGeom prst="bentConnector3">
+            <a:avLst>
+              <a:gd name="adj1" fmla="val 50000"/>
+            </a:avLst>
+          </a:prstGeom>
+          <a:ln w="19050">
+            <a:solidFill>
+              <a:srgbClr val="7030A0"/>
+            </a:solidFill>
+            <a:headEnd type="none" w="med" len="med"/>
+            <a:tailEnd type="arrow" w="med" len="med"/>
+          </a:ln>
+          <a:effectLst/>
+        </p:spPr>
+        <p:style>
+          <a:lnRef idx="1">
+            <a:schemeClr val="accent2"/>
+          </a:lnRef>
+          <a:fillRef idx="2">
+            <a:schemeClr val="accent2"/>
+          </a:fillRef>
+          <a:effectRef idx="1">
+            <a:schemeClr val="accent2"/>
+          </a:effectRef>
+          <a:fontRef idx="minor">
+            <a:schemeClr val="dk1"/>
+          </a:fontRef>
+        </p:style>
+      </p:cxnSp>
+      <p:cxnSp>
+        <p:nvCxnSpPr>
+          <p:cNvPr id="136" name="Elbow Connector 106">
+            <a:extLst>
+              <a:ext uri="{FF2B5EF4-FFF2-40B4-BE49-F238E27FC236}">
+                <a16:creationId xmlns:a16="http://schemas.microsoft.com/office/drawing/2014/main" id="{034AE91A-0BDB-429C-B695-B2822F9EA809}"/>
+              </a:ext>
+            </a:extLst>
+          </p:cNvPr>
+          <p:cNvCxnSpPr>
+            <a:cxnSpLocks/>
+            <a:endCxn id="72" idx="0"/>
+          </p:cNvCxnSpPr>
+          <p:nvPr/>
+        </p:nvCxnSpPr>
+        <p:spPr>
+          <a:xfrm>
+            <a:off x="3200400" y="2281400"/>
+            <a:ext cx="1680366" cy="195113"/>
+          </a:xfrm>
+          <a:prstGeom prst="bentConnector2">
+            <a:avLst/>
+          </a:prstGeom>
+          <a:ln w="19050">
+            <a:solidFill>
+              <a:srgbClr val="7030A0"/>
+            </a:solidFill>
+            <a:prstDash val="solid"/>
+            <a:headEnd type="none" w="med" len="med"/>
+            <a:tailEnd type="arrow" w="med" len="med"/>
+          </a:ln>
+          <a:effectLst/>
+        </p:spPr>
+        <p:style>
+          <a:lnRef idx="1">
+            <a:schemeClr val="accent2"/>
+          </a:lnRef>
+          <a:fillRef idx="2">
+            <a:schemeClr val="accent2"/>
+          </a:fillRef>
+          <a:effectRef idx="1">
+            <a:schemeClr val="accent2"/>
+          </a:effectRef>
+          <a:fontRef idx="minor">
+            <a:schemeClr val="dk1"/>
+          </a:fontRef>
+        </p:style>
+      </p:cxnSp>
+      <p:cxnSp>
+        <p:nvCxnSpPr>
+          <p:cNvPr id="141" name="Connector: Elbow 140">
+            <a:extLst>
+              <a:ext uri="{FF2B5EF4-FFF2-40B4-BE49-F238E27FC236}">
+                <a16:creationId xmlns:a16="http://schemas.microsoft.com/office/drawing/2014/main" id="{69D983B3-9F27-4690-8CEC-494979999285}"/>
+              </a:ext>
+            </a:extLst>
+          </p:cNvPr>
+          <p:cNvCxnSpPr>
+            <a:cxnSpLocks/>
+            <a:stCxn id="9" idx="3"/>
+          </p:cNvCxnSpPr>
+          <p:nvPr/>
+        </p:nvCxnSpPr>
+        <p:spPr>
+          <a:xfrm rot="5400000" flipH="1" flipV="1">
+            <a:off x="1918533" y="1823247"/>
+            <a:ext cx="439936" cy="1362197"/>
+          </a:xfrm>
+          <a:prstGeom prst="bentConnector2">
+            <a:avLst/>
+          </a:prstGeom>
+          <a:ln w="19050">
+            <a:solidFill>
+              <a:srgbClr val="7030A0"/>
+            </a:solidFill>
+          </a:ln>
+        </p:spPr>
+        <p:style>
+          <a:lnRef idx="1">
+            <a:schemeClr val="accent1"/>
+          </a:lnRef>
+          <a:fillRef idx="0">
+            <a:schemeClr val="accent1"/>
+          </a:fillRef>
+          <a:effectRef idx="0">
+            <a:schemeClr val="accent1"/>
+          </a:effectRef>
+          <a:fontRef idx="minor">
+            <a:schemeClr val="tx1"/>
+          </a:fontRef>
+        </p:style>
+      </p:cxnSp>
+      <p:cxnSp>
+        <p:nvCxnSpPr>
+          <p:cNvPr id="146" name="Connector: Elbow 145">
+            <a:extLst>
+              <a:ext uri="{FF2B5EF4-FFF2-40B4-BE49-F238E27FC236}">
+                <a16:creationId xmlns:a16="http://schemas.microsoft.com/office/drawing/2014/main" id="{0662AC8F-4AD9-4393-A3EE-3E1D94302F8F}"/>
+              </a:ext>
+            </a:extLst>
+          </p:cNvPr>
+          <p:cNvCxnSpPr>
+            <a:cxnSpLocks/>
+          </p:cNvCxnSpPr>
+          <p:nvPr/>
+        </p:nvCxnSpPr>
+        <p:spPr>
+          <a:xfrm flipV="1">
+            <a:off x="2795733" y="2221327"/>
+            <a:ext cx="252267" cy="63162"/>
+          </a:xfrm>
+          <a:prstGeom prst="bentConnector3">
+            <a:avLst>
+              <a:gd name="adj1" fmla="val 79452"/>
+            </a:avLst>
+          </a:prstGeom>
+          <a:ln w="19050">
+            <a:solidFill>
+              <a:srgbClr val="7030A0"/>
+            </a:solidFill>
+          </a:ln>
+        </p:spPr>
+        <p:style>
+          <a:lnRef idx="1">
+            <a:schemeClr val="accent1"/>
+          </a:lnRef>
+          <a:fillRef idx="0">
+            <a:schemeClr val="accent1"/>
+          </a:fillRef>
+          <a:effectRef idx="0">
+            <a:schemeClr val="accent1"/>
+          </a:effectRef>
+          <a:fontRef idx="minor">
+            <a:schemeClr val="tx1"/>
+          </a:fontRef>
+        </p:style>
+      </p:cxnSp>
+      <p:cxnSp>
+        <p:nvCxnSpPr>
+          <p:cNvPr id="155" name="Connector: Elbow 154">
+            <a:extLst>
+              <a:ext uri="{FF2B5EF4-FFF2-40B4-BE49-F238E27FC236}">
+                <a16:creationId xmlns:a16="http://schemas.microsoft.com/office/drawing/2014/main" id="{905C0C98-A2A5-4787-9D64-126EEBBBF83A}"/>
+              </a:ext>
+            </a:extLst>
+          </p:cNvPr>
+          <p:cNvCxnSpPr>
+            <a:cxnSpLocks/>
+          </p:cNvCxnSpPr>
+          <p:nvPr/>
+        </p:nvCxnSpPr>
+        <p:spPr>
+          <a:xfrm>
+            <a:off x="2999744" y="2221326"/>
+            <a:ext cx="200656" cy="61903"/>
+          </a:xfrm>
+          <a:prstGeom prst="bentConnector3">
+            <a:avLst>
+              <a:gd name="adj1" fmla="val 54114"/>
+            </a:avLst>
+          </a:prstGeom>
+          <a:ln w="19050">
+            <a:solidFill>
+              <a:srgbClr val="7030A0"/>
+            </a:solidFill>
+          </a:ln>
+        </p:spPr>
+        <p:style>
+          <a:lnRef idx="1">
+            <a:schemeClr val="accent1"/>
+          </a:lnRef>
+          <a:fillRef idx="0">
+            <a:schemeClr val="accent1"/>
+          </a:fillRef>
+          <a:effectRef idx="0">
+            <a:schemeClr val="accent1"/>
+          </a:effectRef>
+          <a:fontRef idx="minor">
+            <a:schemeClr val="tx1"/>
+          </a:fontRef>
+        </p:style>
+      </p:cxnSp>
+      <p:sp>
+        <p:nvSpPr>
+          <p:cNvPr id="164" name="TextBox 163">
+            <a:extLst>
+              <a:ext uri="{FF2B5EF4-FFF2-40B4-BE49-F238E27FC236}">
+                <a16:creationId xmlns:a16="http://schemas.microsoft.com/office/drawing/2014/main" id="{60DEECD5-717A-4750-AE56-DF0485AF55B0}"/>
+              </a:ext>
+            </a:extLst>
+          </p:cNvPr>
+          <p:cNvSpPr txBox="1"/>
+          <p:nvPr/>
+        </p:nvSpPr>
+        <p:spPr>
+          <a:xfrm>
+            <a:off x="4677663" y="2283228"/>
+            <a:ext cx="189257" cy="178683"/>
+          </a:xfrm>
+          <a:prstGeom prst="rect">
+            <a:avLst/>
+          </a:prstGeom>
+          <a:noFill/>
+        </p:spPr>
+        <p:txBody>
+          <a:bodyPr wrap="square" lIns="0" tIns="0" rIns="0" bIns="0" rtlCol="0">
+            <a:noAutofit/>
+          </a:bodyPr>
+          <a:lstStyle/>
+          <a:p>
+            <a:pPr algn="ctr"/>
+            <a:r>
+              <a:rPr lang="en-US" sz="1100" dirty="0">
+                <a:solidFill>
+                  <a:srgbClr val="7030A0"/>
+                </a:solidFill>
+              </a:rPr>
+              <a:t>1</a:t>
+            </a:r>
+            <a:endParaRPr lang="en-SG" sz="1100" dirty="0">
+              <a:solidFill>
+                <a:srgbClr val="7030A0"/>
+              </a:solidFill>
+            </a:endParaRPr>
+          </a:p>
+        </p:txBody>
+      </p:sp>
+      <p:sp>
+        <p:nvSpPr>
+          <p:cNvPr id="165" name="TextBox 164">
+            <a:extLst>
+              <a:ext uri="{FF2B5EF4-FFF2-40B4-BE49-F238E27FC236}">
+                <a16:creationId xmlns:a16="http://schemas.microsoft.com/office/drawing/2014/main" id="{67ADE68F-7CDA-4990-B7DC-7A956D28D19E}"/>
+              </a:ext>
+            </a:extLst>
+          </p:cNvPr>
+          <p:cNvSpPr txBox="1"/>
+          <p:nvPr/>
+        </p:nvSpPr>
+        <p:spPr>
+          <a:xfrm>
+            <a:off x="4648200" y="2231409"/>
+            <a:ext cx="1024491" cy="261610"/>
+          </a:xfrm>
+          <a:prstGeom prst="rect">
+            <a:avLst/>
+          </a:prstGeom>
+          <a:noFill/>
+        </p:spPr>
+        <p:txBody>
+          <a:bodyPr wrap="square" rtlCol="0">
+            <a:spAutoFit/>
+          </a:bodyPr>
+          <a:lstStyle/>
+          <a:p>
+            <a:pPr algn="r"/>
+            <a:r>
+              <a:rPr lang="en-US" sz="1100" dirty="0">
+                <a:solidFill>
+                  <a:srgbClr val="7030A0"/>
+                </a:solidFill>
+              </a:rPr>
+              <a:t>filtered list</a:t>
+            </a:r>
+            <a:endParaRPr lang="en-SG" sz="1100" dirty="0">
+              <a:solidFill>
+                <a:srgbClr val="7030A0"/>
+              </a:solidFill>
+            </a:endParaRPr>
+          </a:p>
+        </p:txBody>
+      </p:sp>
     </p:spTree>
     <p:extLst>
       <p:ext uri="{BB962C8B-B14F-4D97-AF65-F5344CB8AC3E}">
-        <p14:creationId xmlns:p14="http://schemas.microsoft.com/office/powerpoint/2010/main" val="2396968029"/>
+        <p14:creationId xmlns:p14="http://schemas.microsoft.com/office/powerpoint/2010/main" val="2630260835"/>
       </p:ext>
     </p:extLst>
   </p:cSld>

--- a/docs/diagrams/ModelComponentClassDiagram.pptx
+++ b/docs/diagrams/ModelComponentClassDiagram.pptx
@@ -208,7 +208,7 @@
           <a:p>
             <a:fld id="{F5CC4B3F-88C1-4FFA-B1B6-F41C21DC6924}" type="datetimeFigureOut">
               <a:rPr lang="en-US" smtClean="0"/>
-              <a:t>10/30/2018</a:t>
+              <a:t>11/7/2018</a:t>
             </a:fld>
             <a:endParaRPr lang="en-US"/>
           </a:p>
@@ -654,7 +654,7 @@
           <a:p>
             <a:fld id="{78C97017-6FC3-485B-9764-EAC9E56C1D49}" type="datetimeFigureOut">
               <a:rPr lang="en-US" smtClean="0"/>
-              <a:t>10/30/2018</a:t>
+              <a:t>11/7/2018</a:t>
             </a:fld>
             <a:endParaRPr lang="en-US"/>
           </a:p>
@@ -822,7 +822,7 @@
           <a:p>
             <a:fld id="{78C97017-6FC3-485B-9764-EAC9E56C1D49}" type="datetimeFigureOut">
               <a:rPr lang="en-US" smtClean="0"/>
-              <a:t>10/30/2018</a:t>
+              <a:t>11/7/2018</a:t>
             </a:fld>
             <a:endParaRPr lang="en-US"/>
           </a:p>
@@ -1000,7 +1000,7 @@
           <a:p>
             <a:fld id="{78C97017-6FC3-485B-9764-EAC9E56C1D49}" type="datetimeFigureOut">
               <a:rPr lang="en-US" smtClean="0"/>
-              <a:t>10/30/2018</a:t>
+              <a:t>11/7/2018</a:t>
             </a:fld>
             <a:endParaRPr lang="en-US"/>
           </a:p>
@@ -1168,7 +1168,7 @@
           <a:p>
             <a:fld id="{78C97017-6FC3-485B-9764-EAC9E56C1D49}" type="datetimeFigureOut">
               <a:rPr lang="en-US" smtClean="0"/>
-              <a:t>10/30/2018</a:t>
+              <a:t>11/7/2018</a:t>
             </a:fld>
             <a:endParaRPr lang="en-US"/>
           </a:p>
@@ -1413,7 +1413,7 @@
           <a:p>
             <a:fld id="{78C97017-6FC3-485B-9764-EAC9E56C1D49}" type="datetimeFigureOut">
               <a:rPr lang="en-US" smtClean="0"/>
-              <a:t>10/30/2018</a:t>
+              <a:t>11/7/2018</a:t>
             </a:fld>
             <a:endParaRPr lang="en-US"/>
           </a:p>
@@ -1698,7 +1698,7 @@
           <a:p>
             <a:fld id="{78C97017-6FC3-485B-9764-EAC9E56C1D49}" type="datetimeFigureOut">
               <a:rPr lang="en-US" smtClean="0"/>
-              <a:t>10/30/2018</a:t>
+              <a:t>11/7/2018</a:t>
             </a:fld>
             <a:endParaRPr lang="en-US"/>
           </a:p>
@@ -2117,7 +2117,7 @@
           <a:p>
             <a:fld id="{78C97017-6FC3-485B-9764-EAC9E56C1D49}" type="datetimeFigureOut">
               <a:rPr lang="en-US" smtClean="0"/>
-              <a:t>10/30/2018</a:t>
+              <a:t>11/7/2018</a:t>
             </a:fld>
             <a:endParaRPr lang="en-US"/>
           </a:p>
@@ -2234,7 +2234,7 @@
           <a:p>
             <a:fld id="{78C97017-6FC3-485B-9764-EAC9E56C1D49}" type="datetimeFigureOut">
               <a:rPr lang="en-US" smtClean="0"/>
-              <a:t>10/30/2018</a:t>
+              <a:t>11/7/2018</a:t>
             </a:fld>
             <a:endParaRPr lang="en-US"/>
           </a:p>
@@ -2329,7 +2329,7 @@
           <a:p>
             <a:fld id="{78C97017-6FC3-485B-9764-EAC9E56C1D49}" type="datetimeFigureOut">
               <a:rPr lang="en-US" smtClean="0"/>
-              <a:t>10/30/2018</a:t>
+              <a:t>11/7/2018</a:t>
             </a:fld>
             <a:endParaRPr lang="en-US"/>
           </a:p>
@@ -2604,7 +2604,7 @@
           <a:p>
             <a:fld id="{78C97017-6FC3-485B-9764-EAC9E56C1D49}" type="datetimeFigureOut">
               <a:rPr lang="en-US" smtClean="0"/>
-              <a:t>10/30/2018</a:t>
+              <a:t>11/7/2018</a:t>
             </a:fld>
             <a:endParaRPr lang="en-US"/>
           </a:p>
@@ -2856,7 +2856,7 @@
           <a:p>
             <a:fld id="{78C97017-6FC3-485B-9764-EAC9E56C1D49}" type="datetimeFigureOut">
               <a:rPr lang="en-US" smtClean="0"/>
-              <a:t>10/30/2018</a:t>
+              <a:t>11/7/2018</a:t>
             </a:fld>
             <a:endParaRPr lang="en-US"/>
           </a:p>
@@ -3067,7 +3067,7 @@
           <a:p>
             <a:fld id="{78C97017-6FC3-485B-9764-EAC9E56C1D49}" type="datetimeFigureOut">
               <a:rPr lang="en-US" smtClean="0"/>
-              <a:t>10/30/2018</a:t>
+              <a:t>11/7/2018</a:t>
             </a:fld>
             <a:endParaRPr lang="en-US"/>
           </a:p>
@@ -3456,8 +3456,8 @@
         </p:nvSpPr>
         <p:spPr>
           <a:xfrm>
-            <a:off x="394104" y="1143000"/>
-            <a:ext cx="8171219" cy="3974443"/>
+            <a:off x="76200" y="1222060"/>
+            <a:ext cx="9372600" cy="4355486"/>
           </a:xfrm>
           <a:prstGeom prst="roundRect">
             <a:avLst>
@@ -3517,7 +3517,7 @@
         </p:nvSpPr>
         <p:spPr>
           <a:xfrm>
-            <a:off x="2126218" y="3463240"/>
+            <a:off x="1821418" y="3908397"/>
             <a:ext cx="1093635" cy="346760"/>
           </a:xfrm>
           <a:prstGeom prst="rect">
@@ -3576,7 +3576,7 @@
         </p:nvSpPr>
         <p:spPr>
           <a:xfrm rot="16200000">
-            <a:off x="910586" y="3097750"/>
+            <a:off x="605786" y="3542907"/>
             <a:ext cx="1093635" cy="346760"/>
           </a:xfrm>
           <a:prstGeom prst="rect">
@@ -3639,7 +3639,7 @@
         </p:nvCxnSpPr>
         <p:spPr>
           <a:xfrm rot="5400000" flipH="1" flipV="1">
-            <a:off x="3873779" y="1283184"/>
+            <a:off x="3568979" y="1728341"/>
             <a:ext cx="118388" cy="4951139"/>
           </a:xfrm>
           <a:prstGeom prst="bentConnector3">
@@ -3680,7 +3680,7 @@
         </p:nvSpPr>
         <p:spPr>
           <a:xfrm rot="16200000">
-            <a:off x="205240" y="2861202"/>
+            <a:off x="-99560" y="3306359"/>
             <a:ext cx="1093635" cy="346760"/>
           </a:xfrm>
           <a:prstGeom prst="rect">
@@ -3750,7 +3750,7 @@
         </p:nvSpPr>
         <p:spPr>
           <a:xfrm rot="16200000">
-            <a:off x="875948" y="2952291"/>
+            <a:off x="571148" y="3397448"/>
             <a:ext cx="270504" cy="175523"/>
           </a:xfrm>
           <a:prstGeom prst="triangle">
@@ -3800,7 +3800,7 @@
         </p:nvCxnSpPr>
         <p:spPr>
           <a:xfrm>
-            <a:off x="1858866" y="3636620"/>
+            <a:off x="1554066" y="4081777"/>
             <a:ext cx="267352" cy="0"/>
           </a:xfrm>
           <a:prstGeom prst="straightConnector1">
@@ -3838,7 +3838,7 @@
         </p:nvCxnSpPr>
         <p:spPr>
           <a:xfrm>
-            <a:off x="159129" y="3040053"/>
+            <a:off x="-145671" y="3485210"/>
             <a:ext cx="419548" cy="2860"/>
           </a:xfrm>
           <a:prstGeom prst="bentConnector3">
@@ -3883,7 +3883,7 @@
         </p:nvCxnSpPr>
         <p:spPr>
           <a:xfrm flipV="1">
-            <a:off x="1098962" y="3040052"/>
+            <a:off x="794162" y="3485209"/>
             <a:ext cx="216105" cy="1"/>
           </a:xfrm>
           <a:prstGeom prst="line">
@@ -3922,7 +3922,7 @@
         </p:nvSpPr>
         <p:spPr>
           <a:xfrm>
-            <a:off x="1622818" y="3549930"/>
+            <a:off x="1318018" y="3995087"/>
             <a:ext cx="236048" cy="173380"/>
           </a:xfrm>
           <a:prstGeom prst="flowChartDecision">
@@ -3967,7 +3967,7 @@
         </p:nvSpPr>
         <p:spPr>
           <a:xfrm>
-            <a:off x="2074318" y="2846162"/>
+            <a:off x="1769518" y="3291319"/>
             <a:ext cx="1490560" cy="334856"/>
           </a:xfrm>
           <a:prstGeom prst="rect">
@@ -4026,7 +4026,7 @@
         </p:nvCxnSpPr>
         <p:spPr>
           <a:xfrm>
-            <a:off x="1873398" y="3003033"/>
+            <a:off x="1568598" y="3448190"/>
             <a:ext cx="200920" cy="10557"/>
           </a:xfrm>
           <a:prstGeom prst="straightConnector1">
@@ -4064,7 +4064,7 @@
         </p:nvSpPr>
         <p:spPr>
           <a:xfrm>
-            <a:off x="1637350" y="2916343"/>
+            <a:off x="1332550" y="3361500"/>
             <a:ext cx="236048" cy="173380"/>
           </a:xfrm>
           <a:prstGeom prst="flowChartDecision">
@@ -4109,7 +4109,7 @@
         </p:nvSpPr>
         <p:spPr>
           <a:xfrm>
-            <a:off x="4195308" y="3353491"/>
+            <a:off x="3890508" y="3798648"/>
             <a:ext cx="1370916" cy="346760"/>
           </a:xfrm>
           <a:prstGeom prst="rect">
@@ -4165,7 +4165,7 @@
         </p:nvSpPr>
         <p:spPr>
           <a:xfrm>
-            <a:off x="3574010" y="2920532"/>
+            <a:off x="3269210" y="3365689"/>
             <a:ext cx="236048" cy="173380"/>
           </a:xfrm>
           <a:prstGeom prst="flowChartDecision">
@@ -4212,7 +4212,7 @@
         </p:nvSpPr>
         <p:spPr>
           <a:xfrm>
-            <a:off x="6054450" y="3352800"/>
+            <a:off x="5749650" y="3797957"/>
             <a:ext cx="708186" cy="346760"/>
           </a:xfrm>
           <a:prstGeom prst="rect">
@@ -4268,7 +4268,7 @@
         </p:nvSpPr>
         <p:spPr>
           <a:xfrm>
-            <a:off x="5581947" y="3436410"/>
+            <a:off x="5277147" y="3881567"/>
             <a:ext cx="236048" cy="173380"/>
           </a:xfrm>
           <a:prstGeom prst="flowChartDecision">
@@ -4317,7 +4317,7 @@
         </p:nvCxnSpPr>
         <p:spPr>
           <a:xfrm>
-            <a:off x="5817995" y="3523100"/>
+            <a:off x="5513195" y="3968257"/>
             <a:ext cx="236455" cy="3080"/>
           </a:xfrm>
           <a:prstGeom prst="bentConnector3">
@@ -4355,7 +4355,7 @@
         </p:nvSpPr>
         <p:spPr>
           <a:xfrm>
-            <a:off x="7452183" y="3061482"/>
+            <a:off x="7147383" y="3506639"/>
             <a:ext cx="853615" cy="285783"/>
           </a:xfrm>
           <a:prstGeom prst="rect">
@@ -4411,7 +4411,7 @@
         </p:nvSpPr>
         <p:spPr>
           <a:xfrm>
-            <a:off x="6781734" y="3445445"/>
+            <a:off x="6476934" y="3890602"/>
             <a:ext cx="236048" cy="173380"/>
           </a:xfrm>
           <a:prstGeom prst="flowChartDecision">
@@ -4460,7 +4460,7 @@
         </p:nvCxnSpPr>
         <p:spPr>
           <a:xfrm flipV="1">
-            <a:off x="7017782" y="3204065"/>
+            <a:off x="6712982" y="3649222"/>
             <a:ext cx="434402" cy="327761"/>
           </a:xfrm>
           <a:prstGeom prst="bentConnector3">
@@ -4498,7 +4498,7 @@
         </p:nvSpPr>
         <p:spPr>
           <a:xfrm>
-            <a:off x="7452183" y="3384460"/>
+            <a:off x="7147383" y="3829617"/>
             <a:ext cx="853615" cy="285783"/>
           </a:xfrm>
           <a:prstGeom prst="rect">
@@ -4558,7 +4558,7 @@
         </p:nvCxnSpPr>
         <p:spPr>
           <a:xfrm flipV="1">
-            <a:off x="7017782" y="3527352"/>
+            <a:off x="6712982" y="3972509"/>
             <a:ext cx="434401" cy="4783"/>
           </a:xfrm>
           <a:prstGeom prst="bentConnector3">
@@ -4596,7 +4596,7 @@
         </p:nvSpPr>
         <p:spPr>
           <a:xfrm>
-            <a:off x="7452184" y="3707438"/>
+            <a:off x="7147384" y="4152595"/>
             <a:ext cx="853616" cy="285783"/>
           </a:xfrm>
           <a:prstGeom prst="rect">
@@ -4656,7 +4656,7 @@
         </p:nvCxnSpPr>
         <p:spPr>
           <a:xfrm>
-            <a:off x="7017782" y="3532135"/>
+            <a:off x="6712982" y="3977292"/>
             <a:ext cx="434402" cy="318195"/>
           </a:xfrm>
           <a:prstGeom prst="bentConnector3">
@@ -4694,7 +4694,7 @@
         </p:nvSpPr>
         <p:spPr>
           <a:xfrm>
-            <a:off x="7452183" y="4030415"/>
+            <a:off x="7147383" y="4475572"/>
             <a:ext cx="853617" cy="285783"/>
           </a:xfrm>
           <a:prstGeom prst="rect">
@@ -4754,7 +4754,7 @@
         </p:nvCxnSpPr>
         <p:spPr>
           <a:xfrm>
-            <a:off x="7017782" y="3532135"/>
+            <a:off x="6712982" y="3977292"/>
             <a:ext cx="434401" cy="641172"/>
           </a:xfrm>
           <a:prstGeom prst="bentConnector3">
@@ -4796,7 +4796,7 @@
         </p:nvCxnSpPr>
         <p:spPr>
           <a:xfrm rot="5400000">
-            <a:off x="2548365" y="2340499"/>
+            <a:off x="2243565" y="2785656"/>
             <a:ext cx="776896" cy="234430"/>
           </a:xfrm>
           <a:prstGeom prst="bentConnector3">
@@ -4837,7 +4837,7 @@
         </p:nvSpPr>
         <p:spPr>
           <a:xfrm rot="10800000" flipV="1">
-            <a:off x="2912835" y="1912204"/>
+            <a:off x="2608035" y="2357361"/>
             <a:ext cx="282387" cy="157062"/>
           </a:xfrm>
           <a:prstGeom prst="triangle">
@@ -4885,7 +4885,7 @@
         </p:nvSpPr>
         <p:spPr>
           <a:xfrm>
-            <a:off x="569736" y="1524000"/>
+            <a:off x="264936" y="1969157"/>
             <a:ext cx="1485383" cy="364396"/>
           </a:xfrm>
           <a:prstGeom prst="rect">
@@ -4956,7 +4956,7 @@
         </p:nvSpPr>
         <p:spPr>
           <a:xfrm rot="16200000">
-            <a:off x="6100546" y="4009263"/>
+            <a:off x="5795746" y="4454420"/>
             <a:ext cx="881018" cy="261610"/>
           </a:xfrm>
           <a:prstGeom prst="rect">
@@ -4995,7 +4995,7 @@
         </p:nvSpPr>
         <p:spPr>
           <a:xfrm>
-            <a:off x="1290555" y="4572000"/>
+            <a:off x="985755" y="5017157"/>
             <a:ext cx="1066800" cy="346760"/>
           </a:xfrm>
           <a:prstGeom prst="rect">
@@ -5069,7 +5069,7 @@
         </p:nvCxnSpPr>
         <p:spPr>
           <a:xfrm rot="16200000" flipH="1">
-            <a:off x="439316" y="3894141"/>
+            <a:off x="134516" y="4339298"/>
             <a:ext cx="1163980" cy="538497"/>
           </a:xfrm>
           <a:prstGeom prst="bentConnector2">
@@ -5108,7 +5108,7 @@
         </p:nvSpPr>
         <p:spPr>
           <a:xfrm>
-            <a:off x="3985601" y="3321496"/>
+            <a:off x="3680801" y="3766653"/>
             <a:ext cx="189257" cy="178683"/>
           </a:xfrm>
           <a:prstGeom prst="rect">
@@ -5147,7 +5147,7 @@
         </p:nvSpPr>
         <p:spPr>
           <a:xfrm>
-            <a:off x="5814844" y="3590256"/>
+            <a:off x="5510044" y="4035413"/>
             <a:ext cx="189257" cy="178683"/>
           </a:xfrm>
           <a:prstGeom prst="rect">
@@ -5186,7 +5186,7 @@
         </p:nvSpPr>
         <p:spPr>
           <a:xfrm>
-            <a:off x="1822432" y="2756715"/>
+            <a:off x="1620359" y="3244545"/>
             <a:ext cx="170110" cy="137542"/>
           </a:xfrm>
           <a:prstGeom prst="rect">
@@ -5225,7 +5225,7 @@
         </p:nvSpPr>
         <p:spPr>
           <a:xfrm>
-            <a:off x="1956108" y="3667737"/>
+            <a:off x="1651308" y="4112894"/>
             <a:ext cx="189257" cy="178683"/>
           </a:xfrm>
           <a:prstGeom prst="rect">
@@ -5264,7 +5264,7 @@
         </p:nvSpPr>
         <p:spPr>
           <a:xfrm>
-            <a:off x="6187743" y="3748568"/>
+            <a:off x="5882943" y="4193725"/>
             <a:ext cx="189257" cy="178683"/>
           </a:xfrm>
           <a:prstGeom prst="rect">
@@ -5309,7 +5309,7 @@
         </p:nvSpPr>
         <p:spPr>
           <a:xfrm>
-            <a:off x="7452183" y="2726061"/>
+            <a:off x="7147383" y="3171218"/>
             <a:ext cx="853615" cy="285783"/>
           </a:xfrm>
           <a:prstGeom prst="rect">
@@ -5375,7 +5375,7 @@
         </p:nvCxnSpPr>
         <p:spPr>
           <a:xfrm flipV="1">
-            <a:off x="7017782" y="2868953"/>
+            <a:off x="6712982" y="3314110"/>
             <a:ext cx="434401" cy="663182"/>
           </a:xfrm>
           <a:prstGeom prst="bentConnector3">
@@ -5421,7 +5421,7 @@
         </p:nvSpPr>
         <p:spPr>
           <a:xfrm>
-            <a:off x="7206030" y="2752955"/>
+            <a:off x="6916010" y="3358848"/>
             <a:ext cx="189257" cy="178683"/>
           </a:xfrm>
           <a:prstGeom prst="rect">
@@ -5460,7 +5460,7 @@
         </p:nvSpPr>
         <p:spPr>
           <a:xfrm>
-            <a:off x="2520717" y="1524000"/>
+            <a:off x="2215917" y="1969157"/>
             <a:ext cx="1060683" cy="364396"/>
           </a:xfrm>
           <a:prstGeom prst="rect">
@@ -5516,7 +5516,7 @@
         </p:nvSpPr>
         <p:spPr>
           <a:xfrm rot="16200000">
-            <a:off x="2019609" y="1594808"/>
+            <a:off x="1714809" y="2039965"/>
             <a:ext cx="271014" cy="187417"/>
           </a:xfrm>
           <a:prstGeom prst="triangle">
@@ -5571,7 +5571,7 @@
         </p:nvCxnSpPr>
         <p:spPr>
           <a:xfrm>
-            <a:off x="2248825" y="1703377"/>
+            <a:off x="1944025" y="2148534"/>
             <a:ext cx="271892" cy="2821"/>
           </a:xfrm>
           <a:prstGeom prst="bentConnector3">
@@ -5618,7 +5618,7 @@
         </p:nvSpPr>
         <p:spPr>
           <a:xfrm>
-            <a:off x="7452183" y="2389188"/>
+            <a:off x="7147383" y="2834345"/>
             <a:ext cx="853615" cy="285783"/>
           </a:xfrm>
           <a:prstGeom prst="rect">
@@ -5684,7 +5684,7 @@
         </p:nvCxnSpPr>
         <p:spPr>
           <a:xfrm flipV="1">
-            <a:off x="7017782" y="2532080"/>
+            <a:off x="6712982" y="2977237"/>
             <a:ext cx="434401" cy="1000055"/>
           </a:xfrm>
           <a:prstGeom prst="bentConnector3">
@@ -5730,7 +5730,7 @@
         </p:nvSpPr>
         <p:spPr>
           <a:xfrm>
-            <a:off x="7204493" y="2412628"/>
+            <a:off x="6925182" y="3023955"/>
             <a:ext cx="189257" cy="178683"/>
           </a:xfrm>
           <a:prstGeom prst="rect">
@@ -5779,7 +5779,7 @@
         </p:nvCxnSpPr>
         <p:spPr>
           <a:xfrm>
-            <a:off x="3810058" y="3007222"/>
+            <a:off x="3505258" y="3452379"/>
             <a:ext cx="385250" cy="519649"/>
           </a:xfrm>
           <a:prstGeom prst="bentConnector3">
@@ -5825,7 +5825,7 @@
         </p:nvSpPr>
         <p:spPr>
           <a:xfrm>
-            <a:off x="4192476" y="2476513"/>
+            <a:off x="3887676" y="2921670"/>
             <a:ext cx="1376580" cy="346760"/>
           </a:xfrm>
           <a:prstGeom prst="rect">
@@ -5891,7 +5891,7 @@
         </p:nvCxnSpPr>
         <p:spPr>
           <a:xfrm flipV="1">
-            <a:off x="3810058" y="2649893"/>
+            <a:off x="3505258" y="3095050"/>
             <a:ext cx="382418" cy="357329"/>
           </a:xfrm>
           <a:prstGeom prst="bentConnector3">
@@ -5937,7 +5937,7 @@
         </p:nvSpPr>
         <p:spPr>
           <a:xfrm>
-            <a:off x="6052815" y="2474578"/>
+            <a:off x="5748015" y="2919735"/>
             <a:ext cx="965074" cy="346760"/>
           </a:xfrm>
           <a:prstGeom prst="rect">
@@ -5999,7 +5999,7 @@
         </p:nvSpPr>
         <p:spPr>
           <a:xfrm>
-            <a:off x="5589580" y="2561268"/>
+            <a:off x="5284780" y="3006425"/>
             <a:ext cx="236048" cy="173380"/>
           </a:xfrm>
           <a:prstGeom prst="flowChartDecision">
@@ -6052,7 +6052,7 @@
         </p:nvCxnSpPr>
         <p:spPr>
           <a:xfrm>
-            <a:off x="5825628" y="2647958"/>
+            <a:off x="5520828" y="3093115"/>
             <a:ext cx="218878" cy="3080"/>
           </a:xfrm>
           <a:prstGeom prst="bentConnector3">
@@ -6096,7 +6096,7 @@
         </p:nvSpPr>
         <p:spPr>
           <a:xfrm>
-            <a:off x="5825628" y="2715489"/>
+            <a:off x="5520828" y="3160646"/>
             <a:ext cx="189257" cy="178683"/>
           </a:xfrm>
           <a:prstGeom prst="rect">
@@ -6141,7 +6141,7 @@
         </p:nvSpPr>
         <p:spPr>
           <a:xfrm>
-            <a:off x="4180710" y="1577311"/>
+            <a:off x="3877590" y="2070030"/>
             <a:ext cx="1408870" cy="346760"/>
           </a:xfrm>
           <a:prstGeom prst="rect">
@@ -6207,7 +6207,7 @@
         </p:nvCxnSpPr>
         <p:spPr>
           <a:xfrm rot="5400000">
-            <a:off x="5564698" y="2382837"/>
+            <a:off x="5259898" y="2827994"/>
             <a:ext cx="286722" cy="1654586"/>
           </a:xfrm>
           <a:prstGeom prst="bentConnector3">
@@ -6253,7 +6253,7 @@
         </p:nvSpPr>
         <p:spPr>
           <a:xfrm>
-            <a:off x="4714423" y="3084310"/>
+            <a:off x="4409623" y="3529467"/>
             <a:ext cx="189257" cy="178683"/>
           </a:xfrm>
           <a:prstGeom prst="rect">
@@ -6298,7 +6298,7 @@
         </p:nvSpPr>
         <p:spPr>
           <a:xfrm>
-            <a:off x="3958416" y="2442739"/>
+            <a:off x="3653616" y="2887896"/>
             <a:ext cx="189257" cy="178683"/>
           </a:xfrm>
           <a:prstGeom prst="rect">
@@ -6343,7 +6343,7 @@
         </p:nvSpPr>
         <p:spPr>
           <a:xfrm rot="5400000">
-            <a:off x="6417328" y="2862055"/>
+            <a:off x="6112528" y="3307212"/>
             <a:ext cx="236048" cy="173380"/>
           </a:xfrm>
           <a:prstGeom prst="flowChartDecision">
@@ -6394,7 +6394,7 @@
         </p:nvSpPr>
         <p:spPr>
           <a:xfrm rot="5400000">
-            <a:off x="6407287" y="2260371"/>
+            <a:off x="6102487" y="2705528"/>
             <a:ext cx="236048" cy="173380"/>
           </a:xfrm>
           <a:prstGeom prst="flowChartDecision">
@@ -6449,12 +6449,12 @@
         </p:nvCxnSpPr>
         <p:spPr>
           <a:xfrm rot="16200000" flipV="1">
-            <a:off x="5552745" y="1256471"/>
-            <a:ext cx="304966" cy="1640166"/>
+            <a:off x="5272566" y="1726249"/>
+            <a:ext cx="257404" cy="1638486"/>
           </a:xfrm>
           <a:prstGeom prst="bentConnector3">
             <a:avLst>
-              <a:gd name="adj1" fmla="val 26013"/>
+              <a:gd name="adj1" fmla="val 23357"/>
             </a:avLst>
           </a:prstGeom>
           <a:ln w="19050">
@@ -6495,7 +6495,7 @@
         </p:nvSpPr>
         <p:spPr>
           <a:xfrm>
-            <a:off x="4677664" y="1981707"/>
+            <a:off x="4361101" y="2442831"/>
             <a:ext cx="189257" cy="178683"/>
           </a:xfrm>
           <a:prstGeom prst="rect">
@@ -6540,7 +6540,7 @@
         </p:nvSpPr>
         <p:spPr>
           <a:xfrm>
-            <a:off x="6054450" y="1572564"/>
+            <a:off x="5749650" y="2072187"/>
             <a:ext cx="879750" cy="346760"/>
           </a:xfrm>
           <a:prstGeom prst="rect">
@@ -6602,7 +6602,7 @@
         </p:nvSpPr>
         <p:spPr>
           <a:xfrm>
-            <a:off x="5607804" y="1659254"/>
+            <a:off x="5304081" y="2158877"/>
             <a:ext cx="236048" cy="173380"/>
           </a:xfrm>
           <a:prstGeom prst="flowChartDecision">
@@ -6635,56 +6635,10 @@
           <a:lstStyle/>
           <a:p>
             <a:pPr algn="ctr"/>
-            <a:endParaRPr lang="en-US" sz="1050"/>
-          </a:p>
-        </p:txBody>
-      </p:sp>
-      <p:cxnSp>
-        <p:nvCxnSpPr>
-          <p:cNvPr id="113" name="Elbow Connector 63">
-            <a:extLst>
-              <a:ext uri="{FF2B5EF4-FFF2-40B4-BE49-F238E27FC236}">
-                <a16:creationId xmlns:a16="http://schemas.microsoft.com/office/drawing/2014/main" id="{B3FBBF41-16CA-44C0-83E3-A9C28EC4401D}"/>
-              </a:ext>
-            </a:extLst>
-          </p:cNvPr>
-          <p:cNvCxnSpPr>
-            <a:stCxn id="112" idx="3"/>
-          </p:cNvCxnSpPr>
-          <p:nvPr/>
-        </p:nvCxnSpPr>
-        <p:spPr>
-          <a:xfrm>
-            <a:off x="5843852" y="1745944"/>
-            <a:ext cx="218878" cy="3080"/>
-          </a:xfrm>
-          <a:prstGeom prst="bentConnector3">
-            <a:avLst/>
-          </a:prstGeom>
-          <a:ln w="19050">
-            <a:solidFill>
-              <a:srgbClr val="7030A0"/>
-            </a:solidFill>
-            <a:headEnd type="none" w="med" len="med"/>
-            <a:tailEnd type="arrow" w="med" len="med"/>
-          </a:ln>
-          <a:effectLst/>
-        </p:spPr>
-        <p:style>
-          <a:lnRef idx="1">
-            <a:schemeClr val="accent2"/>
-          </a:lnRef>
-          <a:fillRef idx="2">
-            <a:schemeClr val="accent2"/>
-          </a:fillRef>
-          <a:effectRef idx="1">
-            <a:schemeClr val="accent2"/>
-          </a:effectRef>
-          <a:fontRef idx="minor">
-            <a:schemeClr val="dk1"/>
-          </a:fontRef>
-        </p:style>
-      </p:cxnSp>
+            <a:endParaRPr lang="en-US" sz="1050" dirty="0"/>
+          </a:p>
+        </p:txBody>
+      </p:sp>
       <p:sp>
         <p:nvSpPr>
           <p:cNvPr id="115" name="TextBox 114">
@@ -6699,7 +6653,7 @@
         </p:nvSpPr>
         <p:spPr>
           <a:xfrm>
-            <a:off x="5843852" y="1813475"/>
+            <a:off x="5539052" y="2313098"/>
             <a:ext cx="189257" cy="178683"/>
           </a:xfrm>
           <a:prstGeom prst="rect">
@@ -6744,7 +6698,7 @@
         </p:nvSpPr>
         <p:spPr>
           <a:xfrm>
-            <a:off x="7447101" y="1412252"/>
+            <a:off x="7142301" y="1911875"/>
             <a:ext cx="853615" cy="285783"/>
           </a:xfrm>
           <a:prstGeom prst="rect">
@@ -6806,7 +6760,7 @@
         </p:nvSpPr>
         <p:spPr>
           <a:xfrm>
-            <a:off x="7447102" y="1847817"/>
+            <a:off x="7142302" y="2347440"/>
             <a:ext cx="853615" cy="285783"/>
           </a:xfrm>
           <a:prstGeom prst="rect">
@@ -6872,7 +6826,7 @@
         </p:nvCxnSpPr>
         <p:spPr>
           <a:xfrm>
-            <a:off x="7184649" y="1763781"/>
+            <a:off x="6879849" y="2263404"/>
             <a:ext cx="262453" cy="226928"/>
           </a:xfrm>
           <a:prstGeom prst="bentConnector3">
@@ -6918,7 +6872,7 @@
         </p:nvSpPr>
         <p:spPr>
           <a:xfrm>
-            <a:off x="6948601" y="1677091"/>
+            <a:off x="6643801" y="2176714"/>
             <a:ext cx="236048" cy="173380"/>
           </a:xfrm>
           <a:prstGeom prst="flowChartDecision">
@@ -6975,7 +6929,7 @@
         </p:nvCxnSpPr>
         <p:spPr>
           <a:xfrm flipV="1">
-            <a:off x="7184649" y="1555144"/>
+            <a:off x="6879849" y="2054767"/>
             <a:ext cx="262452" cy="208637"/>
           </a:xfrm>
           <a:prstGeom prst="bentConnector3">
@@ -7024,7 +6978,7 @@
         </p:nvCxnSpPr>
         <p:spPr>
           <a:xfrm>
-            <a:off x="3200400" y="2281400"/>
+            <a:off x="2895600" y="2726557"/>
             <a:ext cx="1680366" cy="195113"/>
           </a:xfrm>
           <a:prstGeom prst="bentConnector2">
@@ -7072,7 +7026,7 @@
         </p:nvCxnSpPr>
         <p:spPr>
           <a:xfrm rot="5400000" flipH="1" flipV="1">
-            <a:off x="1918533" y="1823247"/>
+            <a:off x="1613733" y="2268404"/>
             <a:ext cx="439936" cy="1362197"/>
           </a:xfrm>
           <a:prstGeom prst="bentConnector2">
@@ -7115,7 +7069,7 @@
         </p:nvCxnSpPr>
         <p:spPr>
           <a:xfrm flipV="1">
-            <a:off x="2795733" y="2221327"/>
+            <a:off x="2490933" y="2666484"/>
             <a:ext cx="252267" cy="63162"/>
           </a:xfrm>
           <a:prstGeom prst="bentConnector3">
@@ -7160,7 +7114,7 @@
         </p:nvCxnSpPr>
         <p:spPr>
           <a:xfrm>
-            <a:off x="2999744" y="2221326"/>
+            <a:off x="2694944" y="2666483"/>
             <a:ext cx="200656" cy="61903"/>
           </a:xfrm>
           <a:prstGeom prst="bentConnector3">
@@ -7203,7 +7157,7 @@
         </p:nvSpPr>
         <p:spPr>
           <a:xfrm>
-            <a:off x="4677663" y="2283228"/>
+            <a:off x="4372863" y="2728385"/>
             <a:ext cx="189257" cy="178683"/>
           </a:xfrm>
           <a:prstGeom prst="rect">
@@ -7248,7 +7202,7 @@
         </p:nvSpPr>
         <p:spPr>
           <a:xfrm>
-            <a:off x="4648200" y="2231409"/>
+            <a:off x="4343400" y="2676566"/>
             <a:ext cx="1024491" cy="261610"/>
           </a:xfrm>
           <a:prstGeom prst="rect">
@@ -7270,6 +7224,992 @@
                 </a:solidFill>
               </a:rPr>
               <a:t>filtered list</a:t>
+            </a:r>
+            <a:endParaRPr lang="en-SG" sz="1100" dirty="0">
+              <a:solidFill>
+                <a:srgbClr val="7030A0"/>
+              </a:solidFill>
+            </a:endParaRPr>
+          </a:p>
+        </p:txBody>
+      </p:sp>
+      <p:sp>
+        <p:nvSpPr>
+          <p:cNvPr id="94" name="Rectangle 8">
+            <a:extLst>
+              <a:ext uri="{FF2B5EF4-FFF2-40B4-BE49-F238E27FC236}">
+                <a16:creationId xmlns:a16="http://schemas.microsoft.com/office/drawing/2014/main" id="{CB3EEADF-5674-4728-B89E-D6A96BF2603C}"/>
+              </a:ext>
+            </a:extLst>
+          </p:cNvPr>
+          <p:cNvSpPr/>
+          <p:nvPr/>
+        </p:nvSpPr>
+        <p:spPr>
+          <a:xfrm>
+            <a:off x="3850643" y="1447800"/>
+            <a:ext cx="1408870" cy="346760"/>
+          </a:xfrm>
+          <a:prstGeom prst="rect">
+            <a:avLst/>
+          </a:prstGeom>
+          <a:ln w="19050">
+            <a:solidFill>
+              <a:srgbClr val="7030A0"/>
+            </a:solidFill>
+          </a:ln>
+          <a:effectLst/>
+        </p:spPr>
+        <p:style>
+          <a:lnRef idx="1">
+            <a:schemeClr val="accent4"/>
+          </a:lnRef>
+          <a:fillRef idx="2">
+            <a:schemeClr val="accent4"/>
+          </a:fillRef>
+          <a:effectRef idx="1">
+            <a:schemeClr val="accent4"/>
+          </a:effectRef>
+          <a:fontRef idx="minor">
+            <a:schemeClr val="dk1"/>
+          </a:fontRef>
+        </p:style>
+        <p:txBody>
+          <a:bodyPr rtlCol="0" anchor="ctr"/>
+          <a:lstStyle/>
+          <a:p>
+            <a:pPr algn="ctr"/>
+            <a:r>
+              <a:rPr lang="en-US" sz="1050" dirty="0" err="1">
+                <a:solidFill>
+                  <a:srgbClr val="7030A0"/>
+                </a:solidFill>
+              </a:rPr>
+              <a:t>UniqueSessionList</a:t>
+            </a:r>
+            <a:endParaRPr lang="en-SG" sz="1050" dirty="0">
+              <a:solidFill>
+                <a:srgbClr val="7030A0"/>
+              </a:solidFill>
+            </a:endParaRPr>
+          </a:p>
+        </p:txBody>
+      </p:sp>
+      <p:sp>
+        <p:nvSpPr>
+          <p:cNvPr id="96" name="Rectangle 8">
+            <a:extLst>
+              <a:ext uri="{FF2B5EF4-FFF2-40B4-BE49-F238E27FC236}">
+                <a16:creationId xmlns:a16="http://schemas.microsoft.com/office/drawing/2014/main" id="{66DC3034-D82E-4D85-83D3-C54D41062B33}"/>
+              </a:ext>
+            </a:extLst>
+          </p:cNvPr>
+          <p:cNvSpPr/>
+          <p:nvPr/>
+        </p:nvSpPr>
+        <p:spPr>
+          <a:xfrm>
+            <a:off x="5748185" y="1447800"/>
+            <a:ext cx="879750" cy="346760"/>
+          </a:xfrm>
+          <a:prstGeom prst="rect">
+            <a:avLst/>
+          </a:prstGeom>
+          <a:ln w="19050">
+            <a:solidFill>
+              <a:srgbClr val="7030A0"/>
+            </a:solidFill>
+          </a:ln>
+          <a:effectLst/>
+        </p:spPr>
+        <p:style>
+          <a:lnRef idx="1">
+            <a:schemeClr val="accent4"/>
+          </a:lnRef>
+          <a:fillRef idx="2">
+            <a:schemeClr val="accent4"/>
+          </a:fillRef>
+          <a:effectRef idx="1">
+            <a:schemeClr val="accent4"/>
+          </a:effectRef>
+          <a:fontRef idx="minor">
+            <a:schemeClr val="dk1"/>
+          </a:fontRef>
+        </p:style>
+        <p:txBody>
+          <a:bodyPr rtlCol="0" anchor="ctr"/>
+          <a:lstStyle/>
+          <a:p>
+            <a:pPr algn="ctr"/>
+            <a:r>
+              <a:rPr lang="en-US" sz="1050" dirty="0">
+                <a:solidFill>
+                  <a:srgbClr val="7030A0"/>
+                </a:solidFill>
+              </a:rPr>
+              <a:t>Session</a:t>
+            </a:r>
+            <a:endParaRPr lang="en-SG" sz="1050" dirty="0">
+              <a:solidFill>
+                <a:srgbClr val="7030A0"/>
+              </a:solidFill>
+            </a:endParaRPr>
+          </a:p>
+        </p:txBody>
+      </p:sp>
+      <p:sp>
+        <p:nvSpPr>
+          <p:cNvPr id="98" name="Flowchart: Decision 96">
+            <a:extLst>
+              <a:ext uri="{FF2B5EF4-FFF2-40B4-BE49-F238E27FC236}">
+                <a16:creationId xmlns:a16="http://schemas.microsoft.com/office/drawing/2014/main" id="{FE5C7E94-4B3E-42FD-9909-7A03F20AF4D0}"/>
+              </a:ext>
+            </a:extLst>
+          </p:cNvPr>
+          <p:cNvSpPr/>
+          <p:nvPr/>
+        </p:nvSpPr>
+        <p:spPr>
+          <a:xfrm>
+            <a:off x="5281548" y="1529989"/>
+            <a:ext cx="236048" cy="173380"/>
+          </a:xfrm>
+          <a:prstGeom prst="flowChartDecision">
+            <a:avLst/>
+          </a:prstGeom>
+          <a:noFill/>
+          <a:ln w="19050">
+            <a:solidFill>
+              <a:srgbClr val="7030A0"/>
+            </a:solidFill>
+          </a:ln>
+          <a:effectLst/>
+        </p:spPr>
+        <p:style>
+          <a:lnRef idx="1">
+            <a:schemeClr val="accent6"/>
+          </a:lnRef>
+          <a:fillRef idx="2">
+            <a:schemeClr val="accent6"/>
+          </a:fillRef>
+          <a:effectRef idx="1">
+            <a:schemeClr val="accent6"/>
+          </a:effectRef>
+          <a:fontRef idx="minor">
+            <a:schemeClr val="dk1"/>
+          </a:fontRef>
+        </p:style>
+        <p:txBody>
+          <a:bodyPr rtlCol="0" anchor="ctr"/>
+          <a:lstStyle/>
+          <a:p>
+            <a:pPr algn="ctr"/>
+            <a:endParaRPr lang="en-US" sz="1050"/>
+          </a:p>
+        </p:txBody>
+      </p:sp>
+      <p:sp>
+        <p:nvSpPr>
+          <p:cNvPr id="102" name="TextBox 101">
+            <a:extLst>
+              <a:ext uri="{FF2B5EF4-FFF2-40B4-BE49-F238E27FC236}">
+                <a16:creationId xmlns:a16="http://schemas.microsoft.com/office/drawing/2014/main" id="{EB7188F6-B7F2-4C93-B94D-41E964A65931}"/>
+              </a:ext>
+            </a:extLst>
+          </p:cNvPr>
+          <p:cNvSpPr txBox="1"/>
+          <p:nvPr/>
+        </p:nvSpPr>
+        <p:spPr>
+          <a:xfrm>
+            <a:off x="5536893" y="1672930"/>
+            <a:ext cx="189257" cy="178683"/>
+          </a:xfrm>
+          <a:prstGeom prst="rect">
+            <a:avLst/>
+          </a:prstGeom>
+          <a:noFill/>
+        </p:spPr>
+        <p:txBody>
+          <a:bodyPr wrap="square" lIns="0" tIns="0" rIns="0" bIns="0" rtlCol="0">
+            <a:noAutofit/>
+          </a:bodyPr>
+          <a:lstStyle/>
+          <a:p>
+            <a:pPr algn="ctr"/>
+            <a:r>
+              <a:rPr lang="en-US" sz="1100" dirty="0">
+                <a:solidFill>
+                  <a:srgbClr val="7030A0"/>
+                </a:solidFill>
+              </a:rPr>
+              <a:t>*</a:t>
+            </a:r>
+            <a:endParaRPr lang="en-SG" sz="1100" dirty="0">
+              <a:solidFill>
+                <a:srgbClr val="7030A0"/>
+              </a:solidFill>
+            </a:endParaRPr>
+          </a:p>
+        </p:txBody>
+      </p:sp>
+      <p:sp>
+        <p:nvSpPr>
+          <p:cNvPr id="104" name="Rectangle 8">
+            <a:extLst>
+              <a:ext uri="{FF2B5EF4-FFF2-40B4-BE49-F238E27FC236}">
+                <a16:creationId xmlns:a16="http://schemas.microsoft.com/office/drawing/2014/main" id="{CAD6C7E3-6154-468D-9405-77032F889A74}"/>
+              </a:ext>
+            </a:extLst>
+          </p:cNvPr>
+          <p:cNvSpPr/>
+          <p:nvPr/>
+        </p:nvSpPr>
+        <p:spPr>
+          <a:xfrm>
+            <a:off x="7134669" y="1480403"/>
+            <a:ext cx="853615" cy="285783"/>
+          </a:xfrm>
+          <a:prstGeom prst="rect">
+            <a:avLst/>
+          </a:prstGeom>
+          <a:ln w="19050">
+            <a:solidFill>
+              <a:srgbClr val="7030A0"/>
+            </a:solidFill>
+          </a:ln>
+          <a:effectLst/>
+        </p:spPr>
+        <p:style>
+          <a:lnRef idx="1">
+            <a:schemeClr val="accent4"/>
+          </a:lnRef>
+          <a:fillRef idx="2">
+            <a:schemeClr val="accent4"/>
+          </a:fillRef>
+          <a:effectRef idx="1">
+            <a:schemeClr val="accent4"/>
+          </a:effectRef>
+          <a:fontRef idx="minor">
+            <a:schemeClr val="dk1"/>
+          </a:fontRef>
+        </p:style>
+        <p:txBody>
+          <a:bodyPr rtlCol="0" anchor="ctr"/>
+          <a:lstStyle/>
+          <a:p>
+            <a:pPr algn="ctr"/>
+            <a:r>
+              <a:rPr lang="en-US" sz="1050" dirty="0">
+                <a:solidFill>
+                  <a:srgbClr val="7030A0"/>
+                </a:solidFill>
+              </a:rPr>
+              <a:t>Attendance</a:t>
+            </a:r>
+            <a:endParaRPr lang="en-SG" sz="1050" dirty="0">
+              <a:solidFill>
+                <a:srgbClr val="7030A0"/>
+              </a:solidFill>
+            </a:endParaRPr>
+          </a:p>
+        </p:txBody>
+      </p:sp>
+      <p:cxnSp>
+        <p:nvCxnSpPr>
+          <p:cNvPr id="108" name="Elbow Connector 78">
+            <a:extLst>
+              <a:ext uri="{FF2B5EF4-FFF2-40B4-BE49-F238E27FC236}">
+                <a16:creationId xmlns:a16="http://schemas.microsoft.com/office/drawing/2014/main" id="{DAA26F13-F365-4E95-AA5A-A064852FD2FE}"/>
+              </a:ext>
+            </a:extLst>
+          </p:cNvPr>
+          <p:cNvCxnSpPr>
+            <a:cxnSpLocks/>
+            <a:stCxn id="109" idx="3"/>
+            <a:endCxn id="104" idx="1"/>
+          </p:cNvCxnSpPr>
+          <p:nvPr/>
+        </p:nvCxnSpPr>
+        <p:spPr>
+          <a:xfrm>
+            <a:off x="6877690" y="1623236"/>
+            <a:ext cx="256979" cy="59"/>
+          </a:xfrm>
+          <a:prstGeom prst="bentConnector3">
+            <a:avLst>
+              <a:gd name="adj1" fmla="val 50000"/>
+            </a:avLst>
+          </a:prstGeom>
+          <a:ln w="19050">
+            <a:solidFill>
+              <a:srgbClr val="7030A0"/>
+            </a:solidFill>
+            <a:headEnd type="none" w="med" len="med"/>
+            <a:tailEnd type="arrow" w="med" len="med"/>
+          </a:ln>
+          <a:effectLst/>
+        </p:spPr>
+        <p:style>
+          <a:lnRef idx="1">
+            <a:schemeClr val="accent2"/>
+          </a:lnRef>
+          <a:fillRef idx="2">
+            <a:schemeClr val="accent2"/>
+          </a:fillRef>
+          <a:effectRef idx="1">
+            <a:schemeClr val="accent2"/>
+          </a:effectRef>
+          <a:fontRef idx="minor">
+            <a:schemeClr val="dk1"/>
+          </a:fontRef>
+        </p:style>
+      </p:cxnSp>
+      <p:sp>
+        <p:nvSpPr>
+          <p:cNvPr id="109" name="Flowchart: Decision 96">
+            <a:extLst>
+              <a:ext uri="{FF2B5EF4-FFF2-40B4-BE49-F238E27FC236}">
+                <a16:creationId xmlns:a16="http://schemas.microsoft.com/office/drawing/2014/main" id="{075310A9-0D17-4B6D-BF73-2D5DDF743FCE}"/>
+              </a:ext>
+            </a:extLst>
+          </p:cNvPr>
+          <p:cNvSpPr/>
+          <p:nvPr/>
+        </p:nvSpPr>
+        <p:spPr>
+          <a:xfrm>
+            <a:off x="6641642" y="1536546"/>
+            <a:ext cx="236048" cy="173380"/>
+          </a:xfrm>
+          <a:prstGeom prst="flowChartDecision">
+            <a:avLst/>
+          </a:prstGeom>
+          <a:solidFill>
+            <a:srgbClr val="7030A0"/>
+          </a:solidFill>
+          <a:ln w="19050">
+            <a:solidFill>
+              <a:srgbClr val="7030A0"/>
+            </a:solidFill>
+          </a:ln>
+          <a:effectLst/>
+        </p:spPr>
+        <p:style>
+          <a:lnRef idx="1">
+            <a:schemeClr val="accent6"/>
+          </a:lnRef>
+          <a:fillRef idx="2">
+            <a:schemeClr val="accent6"/>
+          </a:fillRef>
+          <a:effectRef idx="1">
+            <a:schemeClr val="accent6"/>
+          </a:effectRef>
+          <a:fontRef idx="minor">
+            <a:schemeClr val="dk1"/>
+          </a:fontRef>
+        </p:style>
+        <p:txBody>
+          <a:bodyPr rtlCol="0" anchor="ctr"/>
+          <a:lstStyle/>
+          <a:p>
+            <a:pPr algn="ctr"/>
+            <a:endParaRPr lang="en-US" sz="1050"/>
+          </a:p>
+        </p:txBody>
+      </p:sp>
+      <p:sp>
+        <p:nvSpPr>
+          <p:cNvPr id="118" name="Rectangle 8">
+            <a:extLst>
+              <a:ext uri="{FF2B5EF4-FFF2-40B4-BE49-F238E27FC236}">
+                <a16:creationId xmlns:a16="http://schemas.microsoft.com/office/drawing/2014/main" id="{6EAC96E8-8A5F-4F9D-8CAC-151F7F86A08F}"/>
+              </a:ext>
+            </a:extLst>
+          </p:cNvPr>
+          <p:cNvSpPr/>
+          <p:nvPr/>
+        </p:nvSpPr>
+        <p:spPr>
+          <a:xfrm>
+            <a:off x="8470193" y="2347440"/>
+            <a:ext cx="853615" cy="285783"/>
+          </a:xfrm>
+          <a:prstGeom prst="rect">
+            <a:avLst/>
+          </a:prstGeom>
+          <a:ln w="19050">
+            <a:solidFill>
+              <a:srgbClr val="7030A0"/>
+            </a:solidFill>
+          </a:ln>
+          <a:effectLst/>
+        </p:spPr>
+        <p:style>
+          <a:lnRef idx="1">
+            <a:schemeClr val="accent4"/>
+          </a:lnRef>
+          <a:fillRef idx="2">
+            <a:schemeClr val="accent4"/>
+          </a:fillRef>
+          <a:effectRef idx="1">
+            <a:schemeClr val="accent4"/>
+          </a:effectRef>
+          <a:fontRef idx="minor">
+            <a:schemeClr val="dk1"/>
+          </a:fontRef>
+        </p:style>
+        <p:txBody>
+          <a:bodyPr rtlCol="0" anchor="ctr"/>
+          <a:lstStyle/>
+          <a:p>
+            <a:pPr algn="ctr"/>
+            <a:r>
+              <a:rPr lang="en-US" sz="1050" dirty="0" err="1">
+                <a:solidFill>
+                  <a:srgbClr val="7030A0"/>
+                </a:solidFill>
+              </a:rPr>
+              <a:t>GradeEntry</a:t>
+            </a:r>
+            <a:endParaRPr lang="en-SG" sz="1050" dirty="0">
+              <a:solidFill>
+                <a:srgbClr val="7030A0"/>
+              </a:solidFill>
+            </a:endParaRPr>
+          </a:p>
+        </p:txBody>
+      </p:sp>
+      <p:sp>
+        <p:nvSpPr>
+          <p:cNvPr id="130" name="Flowchart: Decision 96">
+            <a:extLst>
+              <a:ext uri="{FF2B5EF4-FFF2-40B4-BE49-F238E27FC236}">
+                <a16:creationId xmlns:a16="http://schemas.microsoft.com/office/drawing/2014/main" id="{0EEB84D0-F684-467E-8266-A4B61BAA9704}"/>
+              </a:ext>
+            </a:extLst>
+          </p:cNvPr>
+          <p:cNvSpPr/>
+          <p:nvPr/>
+        </p:nvSpPr>
+        <p:spPr>
+          <a:xfrm>
+            <a:off x="8006342" y="2402102"/>
+            <a:ext cx="236048" cy="173380"/>
+          </a:xfrm>
+          <a:prstGeom prst="flowChartDecision">
+            <a:avLst/>
+          </a:prstGeom>
+          <a:noFill/>
+          <a:ln w="19050">
+            <a:solidFill>
+              <a:srgbClr val="7030A0"/>
+            </a:solidFill>
+          </a:ln>
+          <a:effectLst/>
+        </p:spPr>
+        <p:style>
+          <a:lnRef idx="1">
+            <a:schemeClr val="accent6"/>
+          </a:lnRef>
+          <a:fillRef idx="2">
+            <a:schemeClr val="accent6"/>
+          </a:fillRef>
+          <a:effectRef idx="1">
+            <a:schemeClr val="accent6"/>
+          </a:effectRef>
+          <a:fontRef idx="minor">
+            <a:schemeClr val="dk1"/>
+          </a:fontRef>
+        </p:style>
+        <p:txBody>
+          <a:bodyPr rtlCol="0" anchor="ctr"/>
+          <a:lstStyle/>
+          <a:p>
+            <a:pPr algn="ctr"/>
+            <a:endParaRPr lang="en-US" sz="1050"/>
+          </a:p>
+        </p:txBody>
+      </p:sp>
+      <p:cxnSp>
+        <p:nvCxnSpPr>
+          <p:cNvPr id="131" name="Elbow Connector 63">
+            <a:extLst>
+              <a:ext uri="{FF2B5EF4-FFF2-40B4-BE49-F238E27FC236}">
+                <a16:creationId xmlns:a16="http://schemas.microsoft.com/office/drawing/2014/main" id="{D798EE99-C031-409E-B94E-D8D6576E0D3F}"/>
+              </a:ext>
+            </a:extLst>
+          </p:cNvPr>
+          <p:cNvCxnSpPr>
+            <a:cxnSpLocks/>
+            <a:stCxn id="130" idx="3"/>
+            <a:endCxn id="118" idx="1"/>
+          </p:cNvCxnSpPr>
+          <p:nvPr/>
+        </p:nvCxnSpPr>
+        <p:spPr>
+          <a:xfrm>
+            <a:off x="8242390" y="2488792"/>
+            <a:ext cx="227803" cy="1540"/>
+          </a:xfrm>
+          <a:prstGeom prst="bentConnector3">
+            <a:avLst/>
+          </a:prstGeom>
+          <a:ln w="19050">
+            <a:solidFill>
+              <a:srgbClr val="7030A0"/>
+            </a:solidFill>
+            <a:headEnd type="none" w="med" len="med"/>
+            <a:tailEnd type="arrow" w="med" len="med"/>
+          </a:ln>
+          <a:effectLst/>
+        </p:spPr>
+        <p:style>
+          <a:lnRef idx="1">
+            <a:schemeClr val="accent2"/>
+          </a:lnRef>
+          <a:fillRef idx="2">
+            <a:schemeClr val="accent2"/>
+          </a:fillRef>
+          <a:effectRef idx="1">
+            <a:schemeClr val="accent2"/>
+          </a:effectRef>
+          <a:fontRef idx="minor">
+            <a:schemeClr val="dk1"/>
+          </a:fontRef>
+        </p:style>
+      </p:cxnSp>
+      <p:sp>
+        <p:nvSpPr>
+          <p:cNvPr id="132" name="Rectangle 8">
+            <a:extLst>
+              <a:ext uri="{FF2B5EF4-FFF2-40B4-BE49-F238E27FC236}">
+                <a16:creationId xmlns:a16="http://schemas.microsoft.com/office/drawing/2014/main" id="{E994FE71-AC9E-4140-A141-10EFC3AAA0F3}"/>
+              </a:ext>
+            </a:extLst>
+          </p:cNvPr>
+          <p:cNvSpPr/>
+          <p:nvPr/>
+        </p:nvSpPr>
+        <p:spPr>
+          <a:xfrm>
+            <a:off x="8461177" y="1485871"/>
+            <a:ext cx="853615" cy="285783"/>
+          </a:xfrm>
+          <a:prstGeom prst="rect">
+            <a:avLst/>
+          </a:prstGeom>
+          <a:ln w="19050">
+            <a:solidFill>
+              <a:srgbClr val="7030A0"/>
+            </a:solidFill>
+          </a:ln>
+          <a:effectLst/>
+        </p:spPr>
+        <p:style>
+          <a:lnRef idx="1">
+            <a:schemeClr val="accent4"/>
+          </a:lnRef>
+          <a:fillRef idx="2">
+            <a:schemeClr val="accent4"/>
+          </a:fillRef>
+          <a:effectRef idx="1">
+            <a:schemeClr val="accent4"/>
+          </a:effectRef>
+          <a:fontRef idx="minor">
+            <a:schemeClr val="dk1"/>
+          </a:fontRef>
+        </p:style>
+        <p:txBody>
+          <a:bodyPr rtlCol="0" anchor="ctr"/>
+          <a:lstStyle/>
+          <a:p>
+            <a:pPr algn="ctr"/>
+            <a:r>
+              <a:rPr lang="en-US" sz="1050" dirty="0">
+                <a:solidFill>
+                  <a:srgbClr val="7030A0"/>
+                </a:solidFill>
+              </a:rPr>
+              <a:t>Presence</a:t>
+            </a:r>
+            <a:endParaRPr lang="en-SG" sz="1050" dirty="0">
+              <a:solidFill>
+                <a:srgbClr val="7030A0"/>
+              </a:solidFill>
+            </a:endParaRPr>
+          </a:p>
+        </p:txBody>
+      </p:sp>
+      <p:sp>
+        <p:nvSpPr>
+          <p:cNvPr id="133" name="Flowchart: Decision 96">
+            <a:extLst>
+              <a:ext uri="{FF2B5EF4-FFF2-40B4-BE49-F238E27FC236}">
+                <a16:creationId xmlns:a16="http://schemas.microsoft.com/office/drawing/2014/main" id="{2E925572-F27B-43EB-8150-F276BC2F86C1}"/>
+              </a:ext>
+            </a:extLst>
+          </p:cNvPr>
+          <p:cNvSpPr/>
+          <p:nvPr/>
+        </p:nvSpPr>
+        <p:spPr>
+          <a:xfrm>
+            <a:off x="7997326" y="1540533"/>
+            <a:ext cx="236048" cy="173380"/>
+          </a:xfrm>
+          <a:prstGeom prst="flowChartDecision">
+            <a:avLst/>
+          </a:prstGeom>
+          <a:noFill/>
+          <a:ln w="19050">
+            <a:solidFill>
+              <a:srgbClr val="7030A0"/>
+            </a:solidFill>
+          </a:ln>
+          <a:effectLst/>
+        </p:spPr>
+        <p:style>
+          <a:lnRef idx="1">
+            <a:schemeClr val="accent6"/>
+          </a:lnRef>
+          <a:fillRef idx="2">
+            <a:schemeClr val="accent6"/>
+          </a:fillRef>
+          <a:effectRef idx="1">
+            <a:schemeClr val="accent6"/>
+          </a:effectRef>
+          <a:fontRef idx="minor">
+            <a:schemeClr val="dk1"/>
+          </a:fontRef>
+        </p:style>
+        <p:txBody>
+          <a:bodyPr rtlCol="0" anchor="ctr"/>
+          <a:lstStyle/>
+          <a:p>
+            <a:pPr algn="ctr"/>
+            <a:endParaRPr lang="en-US" sz="1050"/>
+          </a:p>
+        </p:txBody>
+      </p:sp>
+      <p:cxnSp>
+        <p:nvCxnSpPr>
+          <p:cNvPr id="134" name="Elbow Connector 63">
+            <a:extLst>
+              <a:ext uri="{FF2B5EF4-FFF2-40B4-BE49-F238E27FC236}">
+                <a16:creationId xmlns:a16="http://schemas.microsoft.com/office/drawing/2014/main" id="{A2400F8C-4E25-4483-8BDF-B1BBD4A173A2}"/>
+              </a:ext>
+            </a:extLst>
+          </p:cNvPr>
+          <p:cNvCxnSpPr>
+            <a:cxnSpLocks/>
+            <a:stCxn id="133" idx="3"/>
+            <a:endCxn id="132" idx="1"/>
+          </p:cNvCxnSpPr>
+          <p:nvPr/>
+        </p:nvCxnSpPr>
+        <p:spPr>
+          <a:xfrm>
+            <a:off x="8233374" y="1627223"/>
+            <a:ext cx="227803" cy="1540"/>
+          </a:xfrm>
+          <a:prstGeom prst="bentConnector3">
+            <a:avLst/>
+          </a:prstGeom>
+          <a:ln w="19050">
+            <a:solidFill>
+              <a:srgbClr val="7030A0"/>
+            </a:solidFill>
+            <a:headEnd type="none" w="med" len="med"/>
+            <a:tailEnd type="arrow" w="med" len="med"/>
+          </a:ln>
+          <a:effectLst/>
+        </p:spPr>
+        <p:style>
+          <a:lnRef idx="1">
+            <a:schemeClr val="accent2"/>
+          </a:lnRef>
+          <a:fillRef idx="2">
+            <a:schemeClr val="accent2"/>
+          </a:fillRef>
+          <a:effectRef idx="1">
+            <a:schemeClr val="accent2"/>
+          </a:effectRef>
+          <a:fontRef idx="minor">
+            <a:schemeClr val="dk1"/>
+          </a:fontRef>
+        </p:style>
+      </p:cxnSp>
+      <p:cxnSp>
+        <p:nvCxnSpPr>
+          <p:cNvPr id="11" name="Straight Arrow Connector 10">
+            <a:extLst>
+              <a:ext uri="{FF2B5EF4-FFF2-40B4-BE49-F238E27FC236}">
+                <a16:creationId xmlns:a16="http://schemas.microsoft.com/office/drawing/2014/main" id="{03934545-F889-410A-92F1-ADBFF8E6EAF6}"/>
+              </a:ext>
+            </a:extLst>
+          </p:cNvPr>
+          <p:cNvCxnSpPr>
+            <a:stCxn id="112" idx="3"/>
+            <a:endCxn id="111" idx="1"/>
+          </p:cNvCxnSpPr>
+          <p:nvPr/>
+        </p:nvCxnSpPr>
+        <p:spPr>
+          <a:xfrm>
+            <a:off x="5540129" y="2245567"/>
+            <a:ext cx="209521" cy="0"/>
+          </a:xfrm>
+          <a:prstGeom prst="straightConnector1">
+            <a:avLst/>
+          </a:prstGeom>
+          <a:ln w="19050">
+            <a:solidFill>
+              <a:srgbClr val="7030A0"/>
+            </a:solidFill>
+            <a:headEnd type="none" w="med" len="med"/>
+            <a:tailEnd type="arrow" w="med" len="med"/>
+          </a:ln>
+        </p:spPr>
+        <p:style>
+          <a:lnRef idx="1">
+            <a:schemeClr val="accent1"/>
+          </a:lnRef>
+          <a:fillRef idx="0">
+            <a:schemeClr val="accent1"/>
+          </a:fillRef>
+          <a:effectRef idx="0">
+            <a:schemeClr val="accent1"/>
+          </a:effectRef>
+          <a:fontRef idx="minor">
+            <a:schemeClr val="tx1"/>
+          </a:fontRef>
+        </p:style>
+      </p:cxnSp>
+      <p:cxnSp>
+        <p:nvCxnSpPr>
+          <p:cNvPr id="138" name="Straight Arrow Connector 137">
+            <a:extLst>
+              <a:ext uri="{FF2B5EF4-FFF2-40B4-BE49-F238E27FC236}">
+                <a16:creationId xmlns:a16="http://schemas.microsoft.com/office/drawing/2014/main" id="{44365DE8-00E4-4250-9951-06686DF055C0}"/>
+              </a:ext>
+            </a:extLst>
+          </p:cNvPr>
+          <p:cNvCxnSpPr>
+            <a:cxnSpLocks/>
+            <a:stCxn id="98" idx="3"/>
+            <a:endCxn id="96" idx="1"/>
+          </p:cNvCxnSpPr>
+          <p:nvPr/>
+        </p:nvCxnSpPr>
+        <p:spPr>
+          <a:xfrm>
+            <a:off x="5517596" y="1616679"/>
+            <a:ext cx="230589" cy="4501"/>
+          </a:xfrm>
+          <a:prstGeom prst="straightConnector1">
+            <a:avLst/>
+          </a:prstGeom>
+          <a:ln w="19050">
+            <a:solidFill>
+              <a:srgbClr val="7030A0"/>
+            </a:solidFill>
+            <a:headEnd type="none" w="med" len="med"/>
+            <a:tailEnd type="arrow" w="med" len="med"/>
+          </a:ln>
+        </p:spPr>
+        <p:style>
+          <a:lnRef idx="1">
+            <a:schemeClr val="accent1"/>
+          </a:lnRef>
+          <a:fillRef idx="0">
+            <a:schemeClr val="accent1"/>
+          </a:fillRef>
+          <a:effectRef idx="0">
+            <a:schemeClr val="accent1"/>
+          </a:effectRef>
+          <a:fontRef idx="minor">
+            <a:schemeClr val="tx1"/>
+          </a:fontRef>
+        </p:style>
+      </p:cxnSp>
+      <p:cxnSp>
+        <p:nvCxnSpPr>
+          <p:cNvPr id="139" name="Elbow Connector 78">
+            <a:extLst>
+              <a:ext uri="{FF2B5EF4-FFF2-40B4-BE49-F238E27FC236}">
+                <a16:creationId xmlns:a16="http://schemas.microsoft.com/office/drawing/2014/main" id="{F300988B-4EB3-4C33-9AE5-A5792CEEFF2A}"/>
+              </a:ext>
+            </a:extLst>
+          </p:cNvPr>
+          <p:cNvCxnSpPr>
+            <a:cxnSpLocks/>
+            <a:stCxn id="105" idx="1"/>
+            <a:endCxn id="94" idx="1"/>
+          </p:cNvCxnSpPr>
+          <p:nvPr/>
+        </p:nvCxnSpPr>
+        <p:spPr>
+          <a:xfrm rot="16200000" flipV="1">
+            <a:off x="4509070" y="962753"/>
+            <a:ext cx="1053014" cy="2369868"/>
+          </a:xfrm>
+          <a:prstGeom prst="bentConnector4">
+            <a:avLst>
+              <a:gd name="adj1" fmla="val 5626"/>
+              <a:gd name="adj2" fmla="val 109646"/>
+            </a:avLst>
+          </a:prstGeom>
+          <a:ln w="19050">
+            <a:solidFill>
+              <a:srgbClr val="7030A0"/>
+            </a:solidFill>
+            <a:headEnd type="none" w="med" len="med"/>
+            <a:tailEnd type="arrow" w="med" len="med"/>
+          </a:ln>
+          <a:effectLst/>
+        </p:spPr>
+        <p:style>
+          <a:lnRef idx="1">
+            <a:schemeClr val="accent2"/>
+          </a:lnRef>
+          <a:fillRef idx="2">
+            <a:schemeClr val="accent2"/>
+          </a:fillRef>
+          <a:effectRef idx="1">
+            <a:schemeClr val="accent2"/>
+          </a:effectRef>
+          <a:fontRef idx="minor">
+            <a:schemeClr val="dk1"/>
+          </a:fontRef>
+        </p:style>
+      </p:cxnSp>
+      <p:sp>
+        <p:nvSpPr>
+          <p:cNvPr id="140" name="TextBox 139">
+            <a:extLst>
+              <a:ext uri="{FF2B5EF4-FFF2-40B4-BE49-F238E27FC236}">
+                <a16:creationId xmlns:a16="http://schemas.microsoft.com/office/drawing/2014/main" id="{4CF82132-B378-4B7E-B19E-50A99EF65EF7}"/>
+              </a:ext>
+            </a:extLst>
+          </p:cNvPr>
+          <p:cNvSpPr txBox="1"/>
+          <p:nvPr/>
+        </p:nvSpPr>
+        <p:spPr>
+          <a:xfrm>
+            <a:off x="3601838" y="1437996"/>
+            <a:ext cx="189257" cy="178683"/>
+          </a:xfrm>
+          <a:prstGeom prst="rect">
+            <a:avLst/>
+          </a:prstGeom>
+          <a:noFill/>
+        </p:spPr>
+        <p:txBody>
+          <a:bodyPr wrap="square" lIns="0" tIns="0" rIns="0" bIns="0" rtlCol="0">
+            <a:noAutofit/>
+          </a:bodyPr>
+          <a:lstStyle/>
+          <a:p>
+            <a:pPr algn="ctr"/>
+            <a:r>
+              <a:rPr lang="en-US" sz="1100" dirty="0">
+                <a:solidFill>
+                  <a:srgbClr val="7030A0"/>
+                </a:solidFill>
+              </a:rPr>
+              <a:t>1</a:t>
+            </a:r>
+            <a:endParaRPr lang="en-SG" sz="1100" dirty="0">
+              <a:solidFill>
+                <a:srgbClr val="7030A0"/>
+              </a:solidFill>
+            </a:endParaRPr>
+          </a:p>
+        </p:txBody>
+      </p:sp>
+      <p:sp>
+        <p:nvSpPr>
+          <p:cNvPr id="142" name="TextBox 141">
+            <a:extLst>
+              <a:ext uri="{FF2B5EF4-FFF2-40B4-BE49-F238E27FC236}">
+                <a16:creationId xmlns:a16="http://schemas.microsoft.com/office/drawing/2014/main" id="{0AAA6631-DBC6-4F42-812D-99F9D8052F0E}"/>
+              </a:ext>
+            </a:extLst>
+          </p:cNvPr>
+          <p:cNvSpPr txBox="1"/>
+          <p:nvPr/>
+        </p:nvSpPr>
+        <p:spPr>
+          <a:xfrm>
+            <a:off x="6936370" y="1672783"/>
+            <a:ext cx="189257" cy="178683"/>
+          </a:xfrm>
+          <a:prstGeom prst="rect">
+            <a:avLst/>
+          </a:prstGeom>
+          <a:noFill/>
+        </p:spPr>
+        <p:txBody>
+          <a:bodyPr wrap="square" lIns="0" tIns="0" rIns="0" bIns="0" rtlCol="0">
+            <a:noAutofit/>
+          </a:bodyPr>
+          <a:lstStyle/>
+          <a:p>
+            <a:pPr algn="ctr"/>
+            <a:r>
+              <a:rPr lang="en-US" sz="1100" dirty="0">
+                <a:solidFill>
+                  <a:srgbClr val="7030A0"/>
+                </a:solidFill>
+              </a:rPr>
+              <a:t>*</a:t>
+            </a:r>
+            <a:endParaRPr lang="en-SG" sz="1100" dirty="0">
+              <a:solidFill>
+                <a:srgbClr val="7030A0"/>
+              </a:solidFill>
+            </a:endParaRPr>
+          </a:p>
+        </p:txBody>
+      </p:sp>
+      <p:sp>
+        <p:nvSpPr>
+          <p:cNvPr id="143" name="TextBox 142">
+            <a:extLst>
+              <a:ext uri="{FF2B5EF4-FFF2-40B4-BE49-F238E27FC236}">
+                <a16:creationId xmlns:a16="http://schemas.microsoft.com/office/drawing/2014/main" id="{1351992F-DBBF-4F6B-84C1-35EE7132ED5D}"/>
+              </a:ext>
+            </a:extLst>
+          </p:cNvPr>
+          <p:cNvSpPr txBox="1"/>
+          <p:nvPr/>
+        </p:nvSpPr>
+        <p:spPr>
+          <a:xfrm>
+            <a:off x="8310366" y="2564517"/>
+            <a:ext cx="189257" cy="178683"/>
+          </a:xfrm>
+          <a:prstGeom prst="rect">
+            <a:avLst/>
+          </a:prstGeom>
+          <a:noFill/>
+        </p:spPr>
+        <p:txBody>
+          <a:bodyPr wrap="square" lIns="0" tIns="0" rIns="0" bIns="0" rtlCol="0">
+            <a:noAutofit/>
+          </a:bodyPr>
+          <a:lstStyle/>
+          <a:p>
+            <a:pPr algn="ctr"/>
+            <a:r>
+              <a:rPr lang="en-US" sz="1100" dirty="0">
+                <a:solidFill>
+                  <a:srgbClr val="7030A0"/>
+                </a:solidFill>
+              </a:rPr>
+              <a:t>*</a:t>
             </a:r>
             <a:endParaRPr lang="en-SG" sz="1100" dirty="0">
               <a:solidFill>
